--- a/How Bitcoin Works Under the Hood.pptx
+++ b/How Bitcoin Works Under the Hood.pptx
@@ -5,11 +5,11 @@
     <p:sldMasterId id="2147483648" r:id="rId1"/>
   </p:sldMasterIdLst>
   <p:notesMasterIdLst>
-    <p:notesMasterId r:id="rId18"/>
+    <p:notesMasterId r:id="rId23"/>
   </p:notesMasterIdLst>
   <p:sldIdLst>
-    <p:sldId id="256" r:id="rId2"/>
-    <p:sldId id="260" r:id="rId3"/>
+    <p:sldId id="280" r:id="rId2"/>
+    <p:sldId id="279" r:id="rId3"/>
     <p:sldId id="257" r:id="rId4"/>
     <p:sldId id="258" r:id="rId5"/>
     <p:sldId id="261" r:id="rId6"/>
@@ -22,8 +22,13 @@
     <p:sldId id="269" r:id="rId13"/>
     <p:sldId id="270" r:id="rId14"/>
     <p:sldId id="271" r:id="rId15"/>
-    <p:sldId id="259" r:id="rId16"/>
-    <p:sldId id="268" r:id="rId17"/>
+    <p:sldId id="275" r:id="rId16"/>
+    <p:sldId id="276" r:id="rId17"/>
+    <p:sldId id="277" r:id="rId18"/>
+    <p:sldId id="278" r:id="rId19"/>
+    <p:sldId id="281" r:id="rId20"/>
+    <p:sldId id="282" r:id="rId21"/>
+    <p:sldId id="273" r:id="rId22"/>
   </p:sldIdLst>
   <p:sldSz cx="12192000" cy="6858000"/>
   <p:notesSz cx="6858000" cy="9144000"/>
@@ -127,8 +132,8 @@
       <p14:sectionLst xmlns:p14="http://schemas.microsoft.com/office/powerpoint/2010/main">
         <p14:section name="Default Section" id="{112781BE-91B6-423E-BBF6-7C2F44E8C1A7}">
           <p14:sldIdLst>
-            <p14:sldId id="256"/>
-            <p14:sldId id="260"/>
+            <p14:sldId id="280"/>
+            <p14:sldId id="279"/>
           </p14:sldIdLst>
         </p14:section>
         <p14:section name="2. What is Bitcoin at high level" id="{680B4F1C-FF86-488C-A37F-72DBD0105249}">
@@ -161,14 +166,34 @@
           <p14:sldIdLst>
             <p14:sldId id="270"/>
             <p14:sldId id="271"/>
-            <p14:sldId id="259"/>
-            <p14:sldId id="268"/>
+          </p14:sldIdLst>
+        </p14:section>
+        <p14:section name="9. Double Spend Prevention" id="{E2DBD715-AF53-421D-9B85-36EE2043A7E8}">
+          <p14:sldIdLst>
+            <p14:sldId id="275"/>
+            <p14:sldId id="276"/>
+          </p14:sldIdLst>
+        </p14:section>
+        <p14:section name="9. Mining" id="{1A716732-F556-4C79-984D-C2AB355C5893}">
+          <p14:sldIdLst>
+            <p14:sldId id="277"/>
+            <p14:sldId id="278"/>
+            <p14:sldId id="281"/>
+            <p14:sldId id="282"/>
+            <p14:sldId id="273"/>
           </p14:sldIdLst>
         </p14:section>
       </p14:sectionLst>
     </p:ext>
+    <p:ext uri="{EFAFB233-063F-42B5-8137-9DF3F51BA10A}">
+      <p15:sldGuideLst xmlns:p15="http://schemas.microsoft.com/office/powerpoint/2012/main"/>
+    </p:ext>
   </p:extLst>
 </p:presentation>
+</file>
+
+<file path=ppt/revisionInfo.xml><?xml version="1.0" encoding="utf-8"?>
+<p1510:revInfo xmlns:a="http://schemas.openxmlformats.org/drawingml/2006/main" xmlns:r="http://schemas.openxmlformats.org/officeDocument/2006/relationships" xmlns:p1510="http://schemas.microsoft.com/office/powerpoint/2015/10/main"/>
 </file>
 
 <file path=ppt/notesMasters/notesMaster1.xml><?xml version="1.0" encoding="utf-8"?>
@@ -253,7 +278,7 @@
           <a:p>
             <a:fld id="{997B8459-DB34-44B7-8088-D81CF29DBC4F}" type="datetimeFigureOut">
               <a:rPr lang="en-US" smtClean="0"/>
-              <a:t>5/28/2017</a:t>
+              <a:t>5/30/2017</a:t>
             </a:fld>
             <a:endParaRPr lang="en-US"/>
           </a:p>
@@ -597,7 +622,7 @@
     </p:spTree>
     <p:extLst>
       <p:ext uri="{BB962C8B-B14F-4D97-AF65-F5344CB8AC3E}">
-        <p14:creationId xmlns:p14="http://schemas.microsoft.com/office/powerpoint/2010/main" val="2265806061"/>
+        <p14:creationId xmlns:p14="http://schemas.microsoft.com/office/powerpoint/2010/main" val="2458304486"/>
       </p:ext>
     </p:extLst>
   </p:cSld>
@@ -653,6 +678,225 @@
           <a:p>
             <a:r>
               <a:rPr lang="en-US" dirty="0"/>
+              <a:t>Own, Send, Mine bitcoins</a:t>
+            </a:r>
+          </a:p>
+        </p:txBody>
+      </p:sp>
+      <p:sp>
+        <p:nvSpPr>
+          <p:cNvPr id="4" name="Slide Number Placeholder 3"/>
+          <p:cNvSpPr>
+            <a:spLocks noGrp="1"/>
+          </p:cNvSpPr>
+          <p:nvPr>
+            <p:ph type="sldNum" sz="quarter" idx="10"/>
+          </p:nvPr>
+        </p:nvSpPr>
+        <p:spPr/>
+        <p:txBody>
+          <a:bodyPr/>
+          <a:lstStyle/>
+          <a:p>
+            <a:fld id="{AC8FCCB6-2381-4F22-909F-1230355D86F9}" type="slidenum">
+              <a:rPr lang="en-US" smtClean="0"/>
+              <a:t>2</a:t>
+            </a:fld>
+            <a:endParaRPr lang="en-US"/>
+          </a:p>
+        </p:txBody>
+      </p:sp>
+    </p:spTree>
+    <p:extLst>
+      <p:ext uri="{BB962C8B-B14F-4D97-AF65-F5344CB8AC3E}">
+        <p14:creationId xmlns:p14="http://schemas.microsoft.com/office/powerpoint/2010/main" val="63691970"/>
+      </p:ext>
+    </p:extLst>
+  </p:cSld>
+  <p:clrMapOvr>
+    <a:masterClrMapping/>
+  </p:clrMapOvr>
+</p:notes>
+</file>
+
+<file path=ppt/notesSlides/notesSlide3.xml><?xml version="1.0" encoding="utf-8"?>
+<p:notes xmlns:a="http://schemas.openxmlformats.org/drawingml/2006/main" xmlns:r="http://schemas.openxmlformats.org/officeDocument/2006/relationships" xmlns:p="http://schemas.openxmlformats.org/presentationml/2006/main">
+  <p:cSld>
+    <p:spTree>
+      <p:nvGrpSpPr>
+        <p:cNvPr id="1" name=""/>
+        <p:cNvGrpSpPr/>
+        <p:nvPr/>
+      </p:nvGrpSpPr>
+      <p:grpSpPr>
+        <a:xfrm>
+          <a:off x="0" y="0"/>
+          <a:ext cx="0" cy="0"/>
+          <a:chOff x="0" y="0"/>
+          <a:chExt cx="0" cy="0"/>
+        </a:xfrm>
+      </p:grpSpPr>
+      <p:sp>
+        <p:nvSpPr>
+          <p:cNvPr id="2" name="Slide Image Placeholder 1"/>
+          <p:cNvSpPr>
+            <a:spLocks noGrp="1" noRot="1" noChangeAspect="1"/>
+          </p:cNvSpPr>
+          <p:nvPr>
+            <p:ph type="sldImg"/>
+          </p:nvPr>
+        </p:nvSpPr>
+        <p:spPr/>
+      </p:sp>
+      <p:sp>
+        <p:nvSpPr>
+          <p:cNvPr id="3" name="Notes Placeholder 2"/>
+          <p:cNvSpPr>
+            <a:spLocks noGrp="1"/>
+          </p:cNvSpPr>
+          <p:nvPr>
+            <p:ph type="body" idx="1"/>
+          </p:nvPr>
+        </p:nvSpPr>
+        <p:spPr/>
+        <p:txBody>
+          <a:bodyPr/>
+          <a:lstStyle/>
+          <a:p>
+            <a:r>
+              <a:rPr lang="en-US" dirty="0"/>
+              <a:t>How transaction is done</a:t>
+            </a:r>
+          </a:p>
+          <a:p>
+            <a:r>
+              <a:rPr lang="en-US" dirty="0"/>
+              <a:t>How to transfer</a:t>
+            </a:r>
+          </a:p>
+          <a:p>
+            <a:pPr lvl="1"/>
+            <a:r>
+              <a:rPr lang="en-US" dirty="0"/>
+              <a:t>RSA</a:t>
+            </a:r>
+          </a:p>
+          <a:p>
+            <a:pPr lvl="1"/>
+            <a:r>
+              <a:rPr lang="en-US" dirty="0"/>
+              <a:t>Bitcoin cryptography</a:t>
+            </a:r>
+          </a:p>
+          <a:p>
+            <a:pPr lvl="1"/>
+            <a:r>
+              <a:rPr lang="en-US" dirty="0"/>
+              <a:t>HASH 256</a:t>
+            </a:r>
+          </a:p>
+          <a:p>
+            <a:pPr lvl="1"/>
+            <a:r>
+              <a:rPr lang="en-US" dirty="0"/>
+              <a:t>To understand: blockchain.info</a:t>
+            </a:r>
+          </a:p>
+          <a:p>
+            <a:pPr lvl="1"/>
+            <a:r>
+              <a:rPr lang="en-US" dirty="0" err="1"/>
+              <a:t>Youtube</a:t>
+            </a:r>
+            <a:r>
+              <a:rPr lang="en-US" dirty="0"/>
+              <a:t>: blockchain.info</a:t>
+            </a:r>
+          </a:p>
+        </p:txBody>
+      </p:sp>
+      <p:sp>
+        <p:nvSpPr>
+          <p:cNvPr id="4" name="Slide Number Placeholder 3"/>
+          <p:cNvSpPr>
+            <a:spLocks noGrp="1"/>
+          </p:cNvSpPr>
+          <p:nvPr>
+            <p:ph type="sldNum" sz="quarter" idx="10"/>
+          </p:nvPr>
+        </p:nvSpPr>
+        <p:spPr/>
+        <p:txBody>
+          <a:bodyPr/>
+          <a:lstStyle/>
+          <a:p>
+            <a:fld id="{AC8FCCB6-2381-4F22-909F-1230355D86F9}" type="slidenum">
+              <a:rPr lang="en-US" smtClean="0"/>
+              <a:t>3</a:t>
+            </a:fld>
+            <a:endParaRPr lang="en-US"/>
+          </a:p>
+        </p:txBody>
+      </p:sp>
+    </p:spTree>
+    <p:extLst>
+      <p:ext uri="{BB962C8B-B14F-4D97-AF65-F5344CB8AC3E}">
+        <p14:creationId xmlns:p14="http://schemas.microsoft.com/office/powerpoint/2010/main" val="3923717892"/>
+      </p:ext>
+    </p:extLst>
+  </p:cSld>
+  <p:clrMapOvr>
+    <a:masterClrMapping/>
+  </p:clrMapOvr>
+</p:notes>
+</file>
+
+<file path=ppt/notesSlides/notesSlide4.xml><?xml version="1.0" encoding="utf-8"?>
+<p:notes xmlns:a="http://schemas.openxmlformats.org/drawingml/2006/main" xmlns:r="http://schemas.openxmlformats.org/officeDocument/2006/relationships" xmlns:p="http://schemas.openxmlformats.org/presentationml/2006/main">
+  <p:cSld>
+    <p:spTree>
+      <p:nvGrpSpPr>
+        <p:cNvPr id="1" name=""/>
+        <p:cNvGrpSpPr/>
+        <p:nvPr/>
+      </p:nvGrpSpPr>
+      <p:grpSpPr>
+        <a:xfrm>
+          <a:off x="0" y="0"/>
+          <a:ext cx="0" cy="0"/>
+          <a:chOff x="0" y="0"/>
+          <a:chExt cx="0" cy="0"/>
+        </a:xfrm>
+      </p:grpSpPr>
+      <p:sp>
+        <p:nvSpPr>
+          <p:cNvPr id="2" name="Slide Image Placeholder 1"/>
+          <p:cNvSpPr>
+            <a:spLocks noGrp="1" noRot="1" noChangeAspect="1"/>
+          </p:cNvSpPr>
+          <p:nvPr>
+            <p:ph type="sldImg"/>
+          </p:nvPr>
+        </p:nvSpPr>
+        <p:spPr/>
+      </p:sp>
+      <p:sp>
+        <p:nvSpPr>
+          <p:cNvPr id="3" name="Notes Placeholder 2"/>
+          <p:cNvSpPr>
+            <a:spLocks noGrp="1"/>
+          </p:cNvSpPr>
+          <p:nvPr>
+            <p:ph type="body" idx="1"/>
+          </p:nvPr>
+        </p:nvSpPr>
+        <p:spPr/>
+        <p:txBody>
+          <a:bodyPr/>
+          <a:lstStyle/>
+          <a:p>
+            <a:r>
+              <a:rPr lang="en-US" dirty="0"/>
               <a:t>Think as: </a:t>
             </a:r>
           </a:p>
@@ -727,7 +971,94 @@
 </p:notes>
 </file>
 
-<file path=ppt/notesSlides/notesSlide3.xml><?xml version="1.0" encoding="utf-8"?>
+<file path=ppt/notesSlides/notesSlide5.xml><?xml version="1.0" encoding="utf-8"?>
+<p:notes xmlns:a="http://schemas.openxmlformats.org/drawingml/2006/main" xmlns:r="http://schemas.openxmlformats.org/officeDocument/2006/relationships" xmlns:p="http://schemas.openxmlformats.org/presentationml/2006/main">
+  <p:cSld>
+    <p:spTree>
+      <p:nvGrpSpPr>
+        <p:cNvPr id="1" name=""/>
+        <p:cNvGrpSpPr/>
+        <p:nvPr/>
+      </p:nvGrpSpPr>
+      <p:grpSpPr>
+        <a:xfrm>
+          <a:off x="0" y="0"/>
+          <a:ext cx="0" cy="0"/>
+          <a:chOff x="0" y="0"/>
+          <a:chExt cx="0" cy="0"/>
+        </a:xfrm>
+      </p:grpSpPr>
+      <p:sp>
+        <p:nvSpPr>
+          <p:cNvPr id="2" name="Slide Image Placeholder 1"/>
+          <p:cNvSpPr>
+            <a:spLocks noGrp="1" noRot="1" noChangeAspect="1"/>
+          </p:cNvSpPr>
+          <p:nvPr>
+            <p:ph type="sldImg"/>
+          </p:nvPr>
+        </p:nvSpPr>
+        <p:spPr/>
+      </p:sp>
+      <p:sp>
+        <p:nvSpPr>
+          <p:cNvPr id="3" name="Notes Placeholder 2"/>
+          <p:cNvSpPr>
+            <a:spLocks noGrp="1"/>
+          </p:cNvSpPr>
+          <p:nvPr>
+            <p:ph type="body" idx="1"/>
+          </p:nvPr>
+        </p:nvSpPr>
+        <p:spPr/>
+        <p:txBody>
+          <a:bodyPr/>
+          <a:lstStyle/>
+          <a:p>
+            <a:r>
+              <a:rPr lang="en-US" dirty="0"/>
+              <a:t>?? How the process pay 1.2, 2.5, 3.4</a:t>
+            </a:r>
+          </a:p>
+        </p:txBody>
+      </p:sp>
+      <p:sp>
+        <p:nvSpPr>
+          <p:cNvPr id="4" name="Slide Number Placeholder 3"/>
+          <p:cNvSpPr>
+            <a:spLocks noGrp="1"/>
+          </p:cNvSpPr>
+          <p:nvPr>
+            <p:ph type="sldNum" sz="quarter" idx="10"/>
+          </p:nvPr>
+        </p:nvSpPr>
+        <p:spPr/>
+        <p:txBody>
+          <a:bodyPr/>
+          <a:lstStyle/>
+          <a:p>
+            <a:fld id="{AC8FCCB6-2381-4F22-909F-1230355D86F9}" type="slidenum">
+              <a:rPr lang="en-US" smtClean="0"/>
+              <a:t>7</a:t>
+            </a:fld>
+            <a:endParaRPr lang="en-US"/>
+          </a:p>
+        </p:txBody>
+      </p:sp>
+    </p:spTree>
+    <p:extLst>
+      <p:ext uri="{BB962C8B-B14F-4D97-AF65-F5344CB8AC3E}">
+        <p14:creationId xmlns:p14="http://schemas.microsoft.com/office/powerpoint/2010/main" val="3164489586"/>
+      </p:ext>
+    </p:extLst>
+  </p:cSld>
+  <p:clrMapOvr>
+    <a:masterClrMapping/>
+  </p:clrMapOvr>
+</p:notes>
+</file>
+
+<file path=ppt/notesSlides/notesSlide6.xml><?xml version="1.0" encoding="utf-8"?>
 <p:notes xmlns:a="http://schemas.openxmlformats.org/drawingml/2006/main" xmlns:r="http://schemas.openxmlformats.org/officeDocument/2006/relationships" xmlns:p="http://schemas.openxmlformats.org/presentationml/2006/main">
   <p:cSld>
     <p:spTree>
@@ -938,9 +1269,9 @@
           <a:bodyPr/>
           <a:lstStyle/>
           <a:p>
-            <a:fld id="{9A874E45-EA9C-4641-A42B-3845B42C8695}" type="datetimeFigureOut">
+            <a:fld id="{1A0CC6C9-F88A-4A1A-8FB0-07A130189CC8}" type="datetime1">
               <a:rPr lang="en-US" smtClean="0"/>
-              <a:t>5/28/2017</a:t>
+              <a:t>5/30/2017</a:t>
             </a:fld>
             <a:endParaRPr lang="en-US"/>
           </a:p>
@@ -1106,9 +1437,9 @@
           <a:bodyPr/>
           <a:lstStyle/>
           <a:p>
-            <a:fld id="{9A874E45-EA9C-4641-A42B-3845B42C8695}" type="datetimeFigureOut">
+            <a:fld id="{662CE6F3-128A-4A7E-948E-31AC50BA5F60}" type="datetime1">
               <a:rPr lang="en-US" smtClean="0"/>
-              <a:t>5/28/2017</a:t>
+              <a:t>5/30/2017</a:t>
             </a:fld>
             <a:endParaRPr lang="en-US"/>
           </a:p>
@@ -1284,9 +1615,9 @@
           <a:bodyPr/>
           <a:lstStyle/>
           <a:p>
-            <a:fld id="{9A874E45-EA9C-4641-A42B-3845B42C8695}" type="datetimeFigureOut">
+            <a:fld id="{D8EF803D-58A6-4B2B-AD8D-C3D6CC66E6EB}" type="datetime1">
               <a:rPr lang="en-US" smtClean="0"/>
-              <a:t>5/28/2017</a:t>
+              <a:t>5/30/2017</a:t>
             </a:fld>
             <a:endParaRPr lang="en-US"/>
           </a:p>
@@ -1470,9 +1801,9 @@
           <a:bodyPr/>
           <a:lstStyle/>
           <a:p>
-            <a:fld id="{9A874E45-EA9C-4641-A42B-3845B42C8695}" type="datetimeFigureOut">
+            <a:fld id="{519BD8FA-81DB-4BAD-B3C3-CA109C80A853}" type="datetime1">
               <a:rPr lang="en-US" smtClean="0"/>
-              <a:t>5/28/2017</a:t>
+              <a:t>5/30/2017</a:t>
             </a:fld>
             <a:endParaRPr lang="en-US"/>
           </a:p>
@@ -1715,9 +2046,9 @@
           <a:bodyPr/>
           <a:lstStyle/>
           <a:p>
-            <a:fld id="{9A874E45-EA9C-4641-A42B-3845B42C8695}" type="datetimeFigureOut">
+            <a:fld id="{3F6C7022-96DB-48F2-B3FB-BE06C53B7BA1}" type="datetime1">
               <a:rPr lang="en-US" smtClean="0"/>
-              <a:t>5/28/2017</a:t>
+              <a:t>5/30/2017</a:t>
             </a:fld>
             <a:endParaRPr lang="en-US"/>
           </a:p>
@@ -1957,9 +2288,9 @@
           <a:bodyPr/>
           <a:lstStyle/>
           <a:p>
-            <a:fld id="{9A874E45-EA9C-4641-A42B-3845B42C8695}" type="datetimeFigureOut">
+            <a:fld id="{CD2E27BA-B0B3-403B-BCD6-8B8E73844757}" type="datetime1">
               <a:rPr lang="en-US" smtClean="0"/>
-              <a:t>5/28/2017</a:t>
+              <a:t>5/30/2017</a:t>
             </a:fld>
             <a:endParaRPr lang="en-US"/>
           </a:p>
@@ -2321,9 +2652,9 @@
           <a:bodyPr/>
           <a:lstStyle/>
           <a:p>
-            <a:fld id="{9A874E45-EA9C-4641-A42B-3845B42C8695}" type="datetimeFigureOut">
+            <a:fld id="{AB2F35F9-5498-4A6F-8B26-24AF253CCFB1}" type="datetime1">
               <a:rPr lang="en-US" smtClean="0"/>
-              <a:t>5/28/2017</a:t>
+              <a:t>5/30/2017</a:t>
             </a:fld>
             <a:endParaRPr lang="en-US"/>
           </a:p>
@@ -2438,9 +2769,9 @@
           <a:bodyPr/>
           <a:lstStyle/>
           <a:p>
-            <a:fld id="{9A874E45-EA9C-4641-A42B-3845B42C8695}" type="datetimeFigureOut">
+            <a:fld id="{7CF3DE6C-3CCC-462F-8C19-C9BE5AF82050}" type="datetime1">
               <a:rPr lang="en-US" smtClean="0"/>
-              <a:t>5/28/2017</a:t>
+              <a:t>5/30/2017</a:t>
             </a:fld>
             <a:endParaRPr lang="en-US"/>
           </a:p>
@@ -2533,9 +2864,9 @@
           <a:bodyPr/>
           <a:lstStyle/>
           <a:p>
-            <a:fld id="{9A874E45-EA9C-4641-A42B-3845B42C8695}" type="datetimeFigureOut">
+            <a:fld id="{CFF9B72E-B071-4894-9AE8-77A99437A194}" type="datetime1">
               <a:rPr lang="en-US" smtClean="0"/>
-              <a:t>5/28/2017</a:t>
+              <a:t>5/30/2017</a:t>
             </a:fld>
             <a:endParaRPr lang="en-US"/>
           </a:p>
@@ -2808,9 +3139,9 @@
           <a:bodyPr/>
           <a:lstStyle/>
           <a:p>
-            <a:fld id="{9A874E45-EA9C-4641-A42B-3845B42C8695}" type="datetimeFigureOut">
+            <a:fld id="{C8FC85DF-04F6-4067-9D57-5BD634B76237}" type="datetime1">
               <a:rPr lang="en-US" smtClean="0"/>
-              <a:t>5/28/2017</a:t>
+              <a:t>5/30/2017</a:t>
             </a:fld>
             <a:endParaRPr lang="en-US"/>
           </a:p>
@@ -3060,9 +3391,9 @@
           <a:bodyPr/>
           <a:lstStyle/>
           <a:p>
-            <a:fld id="{9A874E45-EA9C-4641-A42B-3845B42C8695}" type="datetimeFigureOut">
+            <a:fld id="{F482CF38-5737-4019-A5EB-32F20C60B120}" type="datetime1">
               <a:rPr lang="en-US" smtClean="0"/>
-              <a:t>5/28/2017</a:t>
+              <a:t>5/30/2017</a:t>
             </a:fld>
             <a:endParaRPr lang="en-US"/>
           </a:p>
@@ -3271,9 +3602,9 @@
             </a:lvl1pPr>
           </a:lstStyle>
           <a:p>
-            <a:fld id="{9A874E45-EA9C-4641-A42B-3845B42C8695}" type="datetimeFigureOut">
+            <a:fld id="{71B3BB5B-EB4F-4885-9330-962C885E153D}" type="datetime1">
               <a:rPr lang="en-US" smtClean="0"/>
-              <a:t>5/28/2017</a:t>
+              <a:t>5/30/2017</a:t>
             </a:fld>
             <a:endParaRPr lang="en-US"/>
           </a:p>
@@ -3378,6 +3709,7 @@
     <p:sldLayoutId id="2147483658" r:id="rId10"/>
     <p:sldLayoutId id="2147483659" r:id="rId11"/>
   </p:sldLayoutIdLst>
+  <p:hf hdr="0" ftr="0" dt="0"/>
   <p:txStyles>
     <p:titleStyle>
       <a:lvl1pPr algn="l" defTabSz="914400" rtl="0" eaLnBrk="1" latinLnBrk="0" hangingPunct="1">
@@ -3688,15 +4020,30 @@
             <p:ph type="ctrTitle"/>
           </p:nvPr>
         </p:nvSpPr>
-        <p:spPr/>
-        <p:txBody>
-          <a:bodyPr/>
-          <a:lstStyle/>
-          <a:p>
-            <a:r>
-              <a:rPr lang="en-US" dirty="0"/>
-              <a:t>How Bitcoin Works Under the Hood</a:t>
-            </a:r>
+        <p:spPr>
+          <a:xfrm>
+            <a:off x="1524000" y="1122363"/>
+            <a:ext cx="9144000" cy="2046722"/>
+          </a:xfrm>
+        </p:spPr>
+        <p:txBody>
+          <a:bodyPr>
+            <a:normAutofit/>
+          </a:bodyPr>
+          <a:lstStyle/>
+          <a:p>
+            <a:r>
+              <a:rPr lang="zh-CN" altLang="en-US" b="1" dirty="0"/>
+              <a:t>比特币底层</a:t>
+            </a:r>
+            <a:br>
+              <a:rPr lang="en-US" altLang="zh-CN" b="1" dirty="0"/>
+            </a:br>
+            <a:r>
+              <a:rPr lang="zh-CN" altLang="en-US" b="1" dirty="0"/>
+              <a:t>实现原理解析</a:t>
+            </a:r>
+            <a:endParaRPr lang="en-US" b="1" dirty="0"/>
           </a:p>
         </p:txBody>
       </p:sp>
@@ -3710,11 +4057,101 @@
             <p:ph type="subTitle" idx="1"/>
           </p:nvPr>
         </p:nvSpPr>
-        <p:spPr/>
-        <p:txBody>
-          <a:bodyPr/>
-          <a:lstStyle/>
-          <a:p>
+        <p:spPr>
+          <a:xfrm>
+            <a:off x="1624208" y="4503912"/>
+            <a:ext cx="9144000" cy="1655762"/>
+          </a:xfrm>
+        </p:spPr>
+        <p:txBody>
+          <a:bodyPr>
+            <a:normAutofit/>
+          </a:bodyPr>
+          <a:lstStyle/>
+          <a:p>
+            <a:r>
+              <a:rPr lang="en-US" sz="3200" dirty="0"/>
+              <a:t>Andy Wu (</a:t>
+            </a:r>
+            <a:r>
+              <a:rPr lang="zh-CN" altLang="en-US" sz="3200" dirty="0"/>
+              <a:t>吴增德）</a:t>
+            </a:r>
+            <a:endParaRPr lang="en-US" altLang="zh-CN" sz="3200" dirty="0"/>
+          </a:p>
+          <a:p>
+            <a:r>
+              <a:rPr lang="en-US" sz="3200" dirty="0"/>
+              <a:t>2017</a:t>
+            </a:r>
+            <a:r>
+              <a:rPr lang="zh-CN" altLang="en-US" sz="3200" dirty="0"/>
+              <a:t>－</a:t>
+            </a:r>
+            <a:r>
+              <a:rPr lang="en-US" altLang="zh-CN" sz="3200" dirty="0"/>
+              <a:t>05</a:t>
+            </a:r>
+            <a:r>
+              <a:rPr lang="zh-CN" altLang="en-US" sz="3200" dirty="0"/>
+              <a:t>－</a:t>
+            </a:r>
+            <a:r>
+              <a:rPr lang="en-US" altLang="zh-CN" sz="3200" dirty="0"/>
+              <a:t>29</a:t>
+            </a:r>
+            <a:endParaRPr lang="en-US" sz="3200" dirty="0"/>
+          </a:p>
+        </p:txBody>
+      </p:sp>
+      <p:sp>
+        <p:nvSpPr>
+          <p:cNvPr id="4" name="Rectangle 3"/>
+          <p:cNvSpPr/>
+          <p:nvPr/>
+        </p:nvSpPr>
+        <p:spPr>
+          <a:xfrm>
+            <a:off x="4157007" y="3651832"/>
+            <a:ext cx="3877985" cy="369332"/>
+          </a:xfrm>
+          <a:prstGeom prst="rect">
+            <a:avLst/>
+          </a:prstGeom>
+        </p:spPr>
+        <p:txBody>
+          <a:bodyPr wrap="none">
+            <a:spAutoFit/>
+          </a:bodyPr>
+          <a:lstStyle/>
+          <a:p>
+            <a:r>
+              <a:rPr lang="zh-CN" altLang="en-US" dirty="0"/>
+              <a:t>持有、支付、挖掘比特币原理及协议</a:t>
+            </a:r>
+            <a:endParaRPr lang="en-US" dirty="0"/>
+          </a:p>
+        </p:txBody>
+      </p:sp>
+      <p:sp>
+        <p:nvSpPr>
+          <p:cNvPr id="5" name="Slide Number Placeholder 4"/>
+          <p:cNvSpPr>
+            <a:spLocks noGrp="1"/>
+          </p:cNvSpPr>
+          <p:nvPr>
+            <p:ph type="sldNum" sz="quarter" idx="12"/>
+          </p:nvPr>
+        </p:nvSpPr>
+        <p:spPr/>
+        <p:txBody>
+          <a:bodyPr/>
+          <a:lstStyle/>
+          <a:p>
+            <a:fld id="{656EEF9C-D8EE-4444-AD18-FDA4DCDDF73B}" type="slidenum">
+              <a:rPr lang="en-US" smtClean="0"/>
+              <a:t>1</a:t>
+            </a:fld>
             <a:endParaRPr lang="en-US"/>
           </a:p>
         </p:txBody>
@@ -3722,7 +4159,7 @@
     </p:spTree>
     <p:extLst>
       <p:ext uri="{BB962C8B-B14F-4D97-AF65-F5344CB8AC3E}">
-        <p14:creationId xmlns:p14="http://schemas.microsoft.com/office/powerpoint/2010/main" val="123948185"/>
+        <p14:creationId xmlns:p14="http://schemas.microsoft.com/office/powerpoint/2010/main" val="95093310"/>
       </p:ext>
     </p:extLst>
   </p:cSld>
@@ -3877,6 +4314,29 @@
           </a:prstGeom>
         </p:spPr>
       </p:pic>
+      <p:sp>
+        <p:nvSpPr>
+          <p:cNvPr id="7" name="Slide Number Placeholder 6"/>
+          <p:cNvSpPr>
+            <a:spLocks noGrp="1"/>
+          </p:cNvSpPr>
+          <p:nvPr>
+            <p:ph type="sldNum" sz="quarter" idx="12"/>
+          </p:nvPr>
+        </p:nvSpPr>
+        <p:spPr/>
+        <p:txBody>
+          <a:bodyPr/>
+          <a:lstStyle/>
+          <a:p>
+            <a:fld id="{656EEF9C-D8EE-4444-AD18-FDA4DCDDF73B}" type="slidenum">
+              <a:rPr lang="en-US" smtClean="0"/>
+              <a:t>10</a:t>
+            </a:fld>
+            <a:endParaRPr lang="en-US"/>
+          </a:p>
+        </p:txBody>
+      </p:sp>
     </p:spTree>
     <p:extLst>
       <p:ext uri="{BB962C8B-B14F-4D97-AF65-F5344CB8AC3E}">
@@ -4102,6 +4562,29 @@
               <a:rPr lang="en-US" dirty="0"/>
               <a:t>First Transaction: 2009, Jan 3, 50BTC</a:t>
             </a:r>
+          </a:p>
+        </p:txBody>
+      </p:sp>
+      <p:sp>
+        <p:nvSpPr>
+          <p:cNvPr id="10" name="Slide Number Placeholder 9"/>
+          <p:cNvSpPr>
+            <a:spLocks noGrp="1"/>
+          </p:cNvSpPr>
+          <p:nvPr>
+            <p:ph type="sldNum" sz="quarter" idx="12"/>
+          </p:nvPr>
+        </p:nvSpPr>
+        <p:spPr/>
+        <p:txBody>
+          <a:bodyPr/>
+          <a:lstStyle/>
+          <a:p>
+            <a:fld id="{656EEF9C-D8EE-4444-AD18-FDA4DCDDF73B}" type="slidenum">
+              <a:rPr lang="en-US" smtClean="0"/>
+              <a:t>11</a:t>
+            </a:fld>
+            <a:endParaRPr lang="en-US"/>
           </a:p>
         </p:txBody>
       </p:sp>
@@ -4376,6 +4859,29 @@
           </a:prstGeom>
         </p:spPr>
       </p:pic>
+      <p:sp>
+        <p:nvSpPr>
+          <p:cNvPr id="11" name="Slide Number Placeholder 10"/>
+          <p:cNvSpPr>
+            <a:spLocks noGrp="1"/>
+          </p:cNvSpPr>
+          <p:nvPr>
+            <p:ph type="sldNum" sz="quarter" idx="12"/>
+          </p:nvPr>
+        </p:nvSpPr>
+        <p:spPr/>
+        <p:txBody>
+          <a:bodyPr/>
+          <a:lstStyle/>
+          <a:p>
+            <a:fld id="{656EEF9C-D8EE-4444-AD18-FDA4DCDDF73B}" type="slidenum">
+              <a:rPr lang="en-US" smtClean="0"/>
+              <a:t>12</a:t>
+            </a:fld>
+            <a:endParaRPr lang="en-US"/>
+          </a:p>
+        </p:txBody>
+      </p:sp>
     </p:spTree>
     <p:extLst>
       <p:ext uri="{BB962C8B-B14F-4D97-AF65-F5344CB8AC3E}">
@@ -4579,6 +5085,29 @@
           </a:prstGeom>
         </p:spPr>
       </p:pic>
+      <p:sp>
+        <p:nvSpPr>
+          <p:cNvPr id="11" name="Slide Number Placeholder 10"/>
+          <p:cNvSpPr>
+            <a:spLocks noGrp="1"/>
+          </p:cNvSpPr>
+          <p:nvPr>
+            <p:ph type="sldNum" sz="quarter" idx="12"/>
+          </p:nvPr>
+        </p:nvSpPr>
+        <p:spPr/>
+        <p:txBody>
+          <a:bodyPr/>
+          <a:lstStyle/>
+          <a:p>
+            <a:fld id="{656EEF9C-D8EE-4444-AD18-FDA4DCDDF73B}" type="slidenum">
+              <a:rPr lang="en-US" smtClean="0"/>
+              <a:t>13</a:t>
+            </a:fld>
+            <a:endParaRPr lang="en-US"/>
+          </a:p>
+        </p:txBody>
+      </p:sp>
     </p:spTree>
     <p:extLst>
       <p:ext uri="{BB962C8B-B14F-4D97-AF65-F5344CB8AC3E}">
@@ -4609,122 +5138,30 @@
           <a:chExt cx="0" cy="0"/>
         </a:xfrm>
       </p:grpSpPr>
-      <p:sp>
-        <p:nvSpPr>
-          <p:cNvPr id="2" name="Title 1"/>
-          <p:cNvSpPr>
-            <a:spLocks noGrp="1"/>
-          </p:cNvSpPr>
-          <p:nvPr>
-            <p:ph type="title"/>
-          </p:nvPr>
-        </p:nvSpPr>
-        <p:spPr/>
-        <p:txBody>
-          <a:bodyPr>
-            <a:normAutofit fontScale="90000"/>
-          </a:bodyPr>
-          <a:lstStyle/>
-          <a:p>
-            <a:r>
-              <a:rPr lang="en-US" dirty="0"/>
-              <a:t>Cryptographic</a:t>
-            </a:r>
-          </a:p>
-        </p:txBody>
-      </p:sp>
-      <p:sp>
-        <p:nvSpPr>
-          <p:cNvPr id="3" name="Content Placeholder 2"/>
-          <p:cNvSpPr>
-            <a:spLocks noGrp="1"/>
-          </p:cNvSpPr>
-          <p:nvPr>
-            <p:ph idx="1"/>
-          </p:nvPr>
-        </p:nvSpPr>
-        <p:spPr/>
-        <p:txBody>
-          <a:bodyPr/>
-          <a:lstStyle/>
-          <a:p>
-            <a:r>
-              <a:rPr lang="en-US" dirty="0"/>
-              <a:t>Block Puzzle: SHA256</a:t>
-            </a:r>
-          </a:p>
-          <a:p>
-            <a:endParaRPr lang="en-US" dirty="0"/>
-          </a:p>
-        </p:txBody>
-      </p:sp>
-      <p:grpSp>
-        <p:nvGrpSpPr>
-          <p:cNvPr id="6" name="Group 5"/>
-          <p:cNvGrpSpPr/>
+      <p:pic>
+        <p:nvPicPr>
+          <p:cNvPr id="12" name="Picture 11"/>
+          <p:cNvPicPr>
+            <a:picLocks noChangeAspect="1"/>
+          </p:cNvPicPr>
           <p:nvPr/>
-        </p:nvGrpSpPr>
-        <p:grpSpPr>
-          <a:xfrm>
-            <a:off x="5033053" y="93519"/>
-            <a:ext cx="7071973" cy="3995869"/>
-            <a:chOff x="3900440" y="2862131"/>
-            <a:chExt cx="7071973" cy="3995869"/>
-          </a:xfrm>
-        </p:grpSpPr>
-        <p:pic>
-          <p:nvPicPr>
-            <p:cNvPr id="4" name="Picture 3"/>
-            <p:cNvPicPr>
-              <a:picLocks noChangeAspect="1"/>
-            </p:cNvPicPr>
-            <p:nvPr/>
-          </p:nvPicPr>
-          <p:blipFill>
-            <a:blip r:embed="rId3"/>
-            <a:stretch>
-              <a:fillRect/>
-            </a:stretch>
-          </p:blipFill>
-          <p:spPr>
-            <a:xfrm>
-              <a:off x="3900440" y="3382979"/>
-              <a:ext cx="7071973" cy="3475021"/>
-            </a:xfrm>
-            <a:prstGeom prst="rect">
-              <a:avLst/>
-            </a:prstGeom>
-          </p:spPr>
-        </p:pic>
-        <p:sp>
-          <p:nvSpPr>
-            <p:cNvPr id="5" name="Rectangle 4"/>
-            <p:cNvSpPr/>
-            <p:nvPr/>
-          </p:nvSpPr>
-          <p:spPr>
-            <a:xfrm>
-              <a:off x="6320474" y="2862131"/>
-              <a:ext cx="2791149" cy="707886"/>
-            </a:xfrm>
-            <a:prstGeom prst="rect">
-              <a:avLst/>
-            </a:prstGeom>
-          </p:spPr>
-          <p:txBody>
-            <a:bodyPr wrap="none">
-              <a:spAutoFit/>
-            </a:bodyPr>
-            <a:lstStyle/>
-            <a:p>
-              <a:r>
-                <a:rPr lang="en-US" sz="4000" b="1" dirty="0"/>
-                <a:t>Block Puzzle</a:t>
-              </a:r>
-            </a:p>
-          </p:txBody>
-        </p:sp>
-      </p:grpSp>
+        </p:nvPicPr>
+        <p:blipFill>
+          <a:blip r:embed="rId3"/>
+          <a:stretch>
+            <a:fillRect/>
+          </a:stretch>
+        </p:blipFill>
+        <p:spPr>
+          <a:xfrm>
+            <a:off x="87682" y="3293914"/>
+            <a:ext cx="5058013" cy="3547381"/>
+          </a:xfrm>
+          <a:prstGeom prst="rect">
+            <a:avLst/>
+          </a:prstGeom>
+        </p:spPr>
+      </p:pic>
       <p:pic>
         <p:nvPicPr>
           <p:cNvPr id="7" name="Picture 6"/>
@@ -4741,14 +5178,169 @@
         </p:blipFill>
         <p:spPr>
           <a:xfrm>
-            <a:off x="5033053" y="4325385"/>
-            <a:ext cx="7071973" cy="716663"/>
+            <a:off x="6047259" y="6019572"/>
+            <a:ext cx="6016921" cy="609746"/>
           </a:xfrm>
           <a:prstGeom prst="rect">
             <a:avLst/>
           </a:prstGeom>
         </p:spPr>
       </p:pic>
+      <p:sp>
+        <p:nvSpPr>
+          <p:cNvPr id="2" name="Title 1"/>
+          <p:cNvSpPr>
+            <a:spLocks noGrp="1"/>
+          </p:cNvSpPr>
+          <p:nvPr>
+            <p:ph type="title"/>
+          </p:nvPr>
+        </p:nvSpPr>
+        <p:spPr/>
+        <p:txBody>
+          <a:bodyPr>
+            <a:normAutofit fontScale="90000"/>
+          </a:bodyPr>
+          <a:lstStyle/>
+          <a:p>
+            <a:r>
+              <a:rPr lang="en-US" dirty="0"/>
+              <a:t>Cryptographic Hash</a:t>
+            </a:r>
+          </a:p>
+        </p:txBody>
+      </p:sp>
+      <p:sp>
+        <p:nvSpPr>
+          <p:cNvPr id="3" name="Content Placeholder 2"/>
+          <p:cNvSpPr>
+            <a:spLocks noGrp="1"/>
+          </p:cNvSpPr>
+          <p:nvPr>
+            <p:ph idx="1"/>
+          </p:nvPr>
+        </p:nvSpPr>
+        <p:spPr/>
+        <p:txBody>
+          <a:bodyPr/>
+          <a:lstStyle/>
+          <a:p>
+            <a:r>
+              <a:rPr lang="en-US" dirty="0"/>
+              <a:t>Block Puzzle: SHA256</a:t>
+            </a:r>
+          </a:p>
+          <a:p>
+            <a:pPr lvl="1"/>
+            <a:r>
+              <a:rPr lang="en-US" dirty="0"/>
+              <a:t>Target: 000000000000A1B7E…</a:t>
+            </a:r>
+          </a:p>
+          <a:p>
+            <a:endParaRPr lang="en-US" dirty="0"/>
+          </a:p>
+        </p:txBody>
+      </p:sp>
+      <p:sp>
+        <p:nvSpPr>
+          <p:cNvPr id="5" name="Rectangle 4"/>
+          <p:cNvSpPr/>
+          <p:nvPr/>
+        </p:nvSpPr>
+        <p:spPr>
+          <a:xfrm>
+            <a:off x="7453087" y="93519"/>
+            <a:ext cx="2791149" cy="707886"/>
+          </a:xfrm>
+          <a:prstGeom prst="rect">
+            <a:avLst/>
+          </a:prstGeom>
+        </p:spPr>
+        <p:txBody>
+          <a:bodyPr wrap="none">
+            <a:spAutoFit/>
+          </a:bodyPr>
+          <a:lstStyle/>
+          <a:p>
+            <a:r>
+              <a:rPr lang="en-US" sz="4000" b="1" dirty="0"/>
+              <a:t>Block Puzzle</a:t>
+            </a:r>
+          </a:p>
+        </p:txBody>
+      </p:sp>
+      <p:pic>
+        <p:nvPicPr>
+          <p:cNvPr id="10" name="Picture 9"/>
+          <p:cNvPicPr>
+            <a:picLocks noChangeAspect="1"/>
+          </p:cNvPicPr>
+          <p:nvPr/>
+        </p:nvPicPr>
+        <p:blipFill>
+          <a:blip r:embed="rId5"/>
+          <a:stretch>
+            <a:fillRect/>
+          </a:stretch>
+        </p:blipFill>
+        <p:spPr>
+          <a:xfrm>
+            <a:off x="5058014" y="749450"/>
+            <a:ext cx="7110076" cy="4016088"/>
+          </a:xfrm>
+          <a:prstGeom prst="rect">
+            <a:avLst/>
+          </a:prstGeom>
+        </p:spPr>
+      </p:pic>
+      <p:pic>
+        <p:nvPicPr>
+          <p:cNvPr id="11" name="Picture 10"/>
+          <p:cNvPicPr>
+            <a:picLocks noChangeAspect="1"/>
+          </p:cNvPicPr>
+          <p:nvPr/>
+        </p:nvPicPr>
+        <p:blipFill>
+          <a:blip r:embed="rId6"/>
+          <a:stretch>
+            <a:fillRect/>
+          </a:stretch>
+        </p:blipFill>
+        <p:spPr>
+          <a:xfrm>
+            <a:off x="9693514" y="4051885"/>
+            <a:ext cx="1767993" cy="1722269"/>
+          </a:xfrm>
+          <a:prstGeom prst="rect">
+            <a:avLst/>
+          </a:prstGeom>
+        </p:spPr>
+      </p:pic>
+      <p:sp>
+        <p:nvSpPr>
+          <p:cNvPr id="14" name="Slide Number Placeholder 13"/>
+          <p:cNvSpPr>
+            <a:spLocks noGrp="1"/>
+          </p:cNvSpPr>
+          <p:nvPr>
+            <p:ph type="sldNum" sz="quarter" idx="12"/>
+          </p:nvPr>
+        </p:nvSpPr>
+        <p:spPr/>
+        <p:txBody>
+          <a:bodyPr/>
+          <a:lstStyle/>
+          <a:p>
+            <a:fld id="{656EEF9C-D8EE-4444-AD18-FDA4DCDDF73B}" type="slidenum">
+              <a:rPr lang="en-US" smtClean="0"/>
+              <a:t>14</a:t>
+            </a:fld>
+            <a:endParaRPr lang="en-US"/>
+          </a:p>
+        </p:txBody>
+      </p:sp>
     </p:spTree>
     <p:extLst>
       <p:ext uri="{BB962C8B-B14F-4D97-AF65-F5344CB8AC3E}">
@@ -4789,7 +5381,12 @@
             <p:ph type="title"/>
           </p:nvPr>
         </p:nvSpPr>
-        <p:spPr/>
+        <p:spPr>
+          <a:xfrm>
+            <a:off x="6009706" y="72736"/>
+            <a:ext cx="6054474" cy="415637"/>
+          </a:xfrm>
+        </p:spPr>
         <p:txBody>
           <a:bodyPr>
             <a:normAutofit fontScale="90000"/>
@@ -4798,14 +5395,38 @@
           <a:p>
             <a:r>
               <a:rPr lang="en-US" dirty="0"/>
-              <a:t>Sending Money &amp; Authentication</a:t>
-            </a:r>
-          </a:p>
-        </p:txBody>
-      </p:sp>
-      <p:sp>
-        <p:nvSpPr>
-          <p:cNvPr id="3" name="Content Placeholder 2"/>
+              <a:t>Double Spending Prevention</a:t>
+            </a:r>
+          </a:p>
+        </p:txBody>
+      </p:sp>
+      <p:pic>
+        <p:nvPicPr>
+          <p:cNvPr id="6" name="Picture 5"/>
+          <p:cNvPicPr>
+            <a:picLocks noChangeAspect="1"/>
+          </p:cNvPicPr>
+          <p:nvPr/>
+        </p:nvPicPr>
+        <p:blipFill>
+          <a:blip r:embed="rId2"/>
+          <a:stretch>
+            <a:fillRect/>
+          </a:stretch>
+        </p:blipFill>
+        <p:spPr>
+          <a:xfrm>
+            <a:off x="6741771" y="602210"/>
+            <a:ext cx="5450229" cy="3305186"/>
+          </a:xfrm>
+          <a:prstGeom prst="rect">
+            <a:avLst/>
+          </a:prstGeom>
+        </p:spPr>
+      </p:pic>
+      <p:sp>
+        <p:nvSpPr>
+          <p:cNvPr id="8" name="Content Placeholder 2"/>
           <p:cNvSpPr>
             <a:spLocks noGrp="1"/>
           </p:cNvSpPr>
@@ -4813,32 +5434,133 @@
             <p:ph idx="1"/>
           </p:nvPr>
         </p:nvSpPr>
-        <p:spPr/>
-        <p:txBody>
-          <a:bodyPr/>
-          <a:lstStyle/>
-          <a:p>
-            <a:pPr marL="0" indent="0">
-              <a:buNone/>
-            </a:pPr>
-            <a:r>
-              <a:rPr lang="en-US" dirty="0"/>
-              <a:t>Alice </a:t>
-            </a:r>
-            <a:r>
-              <a:rPr lang="en-US" dirty="0">
-                <a:sym typeface="Wingdings" panose="05000000000000000000" pitchFamily="2" charset="2"/>
-              </a:rPr>
-              <a:t> Bob		5.0 BTC</a:t>
-            </a:r>
-            <a:endParaRPr lang="en-US" dirty="0"/>
+        <p:spPr>
+          <a:xfrm>
+            <a:off x="7377545" y="4540827"/>
+            <a:ext cx="4686635" cy="1636136"/>
+          </a:xfrm>
+        </p:spPr>
+        <p:txBody>
+          <a:bodyPr/>
+          <a:lstStyle/>
+          <a:p>
+            <a:r>
+              <a:rPr lang="en-US" dirty="0"/>
+              <a:t>Only vulnerable at end of the chain: wait for several blocks before final</a:t>
+            </a:r>
+          </a:p>
+        </p:txBody>
+      </p:sp>
+      <p:pic>
+        <p:nvPicPr>
+          <p:cNvPr id="9" name="Picture 8"/>
+          <p:cNvPicPr>
+            <a:picLocks noChangeAspect="1"/>
+          </p:cNvPicPr>
+          <p:nvPr/>
+        </p:nvPicPr>
+        <p:blipFill>
+          <a:blip r:embed="rId3"/>
+          <a:stretch>
+            <a:fillRect/>
+          </a:stretch>
+        </p:blipFill>
+        <p:spPr>
+          <a:xfrm>
+            <a:off x="42303" y="4592782"/>
+            <a:ext cx="6911939" cy="2217612"/>
+          </a:xfrm>
+          <a:prstGeom prst="rect">
+            <a:avLst/>
+          </a:prstGeom>
+        </p:spPr>
+      </p:pic>
+      <p:sp>
+        <p:nvSpPr>
+          <p:cNvPr id="10" name="Rectangle 9"/>
+          <p:cNvSpPr/>
+          <p:nvPr/>
+        </p:nvSpPr>
+        <p:spPr>
+          <a:xfrm>
+            <a:off x="1632674" y="4844534"/>
+            <a:ext cx="4377032" cy="954107"/>
+          </a:xfrm>
+          <a:prstGeom prst="rect">
+            <a:avLst/>
+          </a:prstGeom>
+        </p:spPr>
+        <p:txBody>
+          <a:bodyPr wrap="none">
+            <a:spAutoFit/>
+          </a:bodyPr>
+          <a:lstStyle/>
+          <a:p>
+            <a:r>
+              <a:rPr lang="en-US" sz="2800" dirty="0"/>
+              <a:t>The attacker must out space </a:t>
+            </a:r>
+            <a:br>
+              <a:rPr lang="en-US" sz="2800" dirty="0"/>
+            </a:br>
+            <a:r>
+              <a:rPr lang="en-US" sz="2800" dirty="0"/>
+              <a:t>or “out luck” the network”</a:t>
+            </a:r>
+          </a:p>
+        </p:txBody>
+      </p:sp>
+      <p:pic>
+        <p:nvPicPr>
+          <p:cNvPr id="11" name="Picture 10"/>
+          <p:cNvPicPr>
+            <a:picLocks noChangeAspect="1"/>
+          </p:cNvPicPr>
+          <p:nvPr/>
+        </p:nvPicPr>
+        <p:blipFill>
+          <a:blip r:embed="rId4"/>
+          <a:stretch>
+            <a:fillRect/>
+          </a:stretch>
+        </p:blipFill>
+        <p:spPr>
+          <a:xfrm>
+            <a:off x="42303" y="72736"/>
+            <a:ext cx="5913632" cy="3520745"/>
+          </a:xfrm>
+          <a:prstGeom prst="rect">
+            <a:avLst/>
+          </a:prstGeom>
+        </p:spPr>
+      </p:pic>
+      <p:sp>
+        <p:nvSpPr>
+          <p:cNvPr id="12" name="Slide Number Placeholder 11"/>
+          <p:cNvSpPr>
+            <a:spLocks noGrp="1"/>
+          </p:cNvSpPr>
+          <p:nvPr>
+            <p:ph type="sldNum" sz="quarter" idx="12"/>
+          </p:nvPr>
+        </p:nvSpPr>
+        <p:spPr/>
+        <p:txBody>
+          <a:bodyPr/>
+          <a:lstStyle/>
+          <a:p>
+            <a:fld id="{656EEF9C-D8EE-4444-AD18-FDA4DCDDF73B}" type="slidenum">
+              <a:rPr lang="en-US" smtClean="0"/>
+              <a:t>15</a:t>
+            </a:fld>
+            <a:endParaRPr lang="en-US"/>
           </a:p>
         </p:txBody>
       </p:sp>
     </p:spTree>
     <p:extLst>
       <p:ext uri="{BB962C8B-B14F-4D97-AF65-F5344CB8AC3E}">
-        <p14:creationId xmlns:p14="http://schemas.microsoft.com/office/powerpoint/2010/main" val="4111294312"/>
+        <p14:creationId xmlns:p14="http://schemas.microsoft.com/office/powerpoint/2010/main" val="145883488"/>
       </p:ext>
     </p:extLst>
   </p:cSld>
@@ -4882,36 +5604,761 @@
           </a:bodyPr>
           <a:lstStyle/>
           <a:p>
+            <a:pPr algn="r"/>
+            <a:r>
+              <a:rPr lang="en-US" dirty="0"/>
+              <a:t>Recap</a:t>
+            </a:r>
+          </a:p>
+        </p:txBody>
+      </p:sp>
+      <p:sp>
+        <p:nvSpPr>
+          <p:cNvPr id="3" name="Content Placeholder 2"/>
+          <p:cNvSpPr>
+            <a:spLocks noGrp="1"/>
+          </p:cNvSpPr>
+          <p:nvPr>
+            <p:ph idx="1"/>
+          </p:nvPr>
+        </p:nvSpPr>
+        <p:spPr>
+          <a:xfrm>
+            <a:off x="7263245" y="1150374"/>
+            <a:ext cx="4800935" cy="5026589"/>
+          </a:xfrm>
+        </p:spPr>
+        <p:txBody>
+          <a:bodyPr/>
+          <a:lstStyle/>
+          <a:p>
+            <a:r>
+              <a:rPr lang="en-US" dirty="0"/>
+              <a:t>Next: </a:t>
+            </a:r>
+            <a:r>
+              <a:rPr lang="en-US" dirty="0" err="1"/>
+              <a:t>BitCoin</a:t>
+            </a:r>
+            <a:endParaRPr lang="en-US" dirty="0"/>
+          </a:p>
+        </p:txBody>
+      </p:sp>
+      <p:pic>
+        <p:nvPicPr>
+          <p:cNvPr id="4" name="Picture 3"/>
+          <p:cNvPicPr>
+            <a:picLocks noChangeAspect="1"/>
+          </p:cNvPicPr>
+          <p:nvPr/>
+        </p:nvPicPr>
+        <p:blipFill>
+          <a:blip r:embed="rId2"/>
+          <a:stretch>
+            <a:fillRect/>
+          </a:stretch>
+        </p:blipFill>
+        <p:spPr>
+          <a:xfrm>
+            <a:off x="141421" y="200800"/>
+            <a:ext cx="6378818" cy="3132689"/>
+          </a:xfrm>
+          <a:prstGeom prst="rect">
+            <a:avLst/>
+          </a:prstGeom>
+        </p:spPr>
+      </p:pic>
+      <p:pic>
+        <p:nvPicPr>
+          <p:cNvPr id="5" name="Picture 4"/>
+          <p:cNvPicPr>
+            <a:picLocks noChangeAspect="1"/>
+          </p:cNvPicPr>
+          <p:nvPr/>
+        </p:nvPicPr>
+        <p:blipFill>
+          <a:blip r:embed="rId3"/>
+          <a:stretch>
+            <a:fillRect/>
+          </a:stretch>
+        </p:blipFill>
+        <p:spPr>
+          <a:xfrm>
+            <a:off x="141421" y="5288974"/>
+            <a:ext cx="8270451" cy="1291632"/>
+          </a:xfrm>
+          <a:prstGeom prst="rect">
+            <a:avLst/>
+          </a:prstGeom>
+        </p:spPr>
+      </p:pic>
+      <p:sp>
+        <p:nvSpPr>
+          <p:cNvPr id="6" name="Slide Number Placeholder 5"/>
+          <p:cNvSpPr>
+            <a:spLocks noGrp="1"/>
+          </p:cNvSpPr>
+          <p:nvPr>
+            <p:ph type="sldNum" sz="quarter" idx="12"/>
+          </p:nvPr>
+        </p:nvSpPr>
+        <p:spPr/>
+        <p:txBody>
+          <a:bodyPr/>
+          <a:lstStyle/>
+          <a:p>
+            <a:fld id="{656EEF9C-D8EE-4444-AD18-FDA4DCDDF73B}" type="slidenum">
+              <a:rPr lang="en-US" smtClean="0"/>
+              <a:t>16</a:t>
+            </a:fld>
             <a:endParaRPr lang="en-US"/>
-          </a:p>
-        </p:txBody>
-      </p:sp>
-      <p:sp>
-        <p:nvSpPr>
-          <p:cNvPr id="3" name="Content Placeholder 2"/>
-          <p:cNvSpPr>
-            <a:spLocks noGrp="1"/>
-          </p:cNvSpPr>
-          <p:nvPr>
-            <p:ph idx="1"/>
-          </p:nvPr>
-        </p:nvSpPr>
-        <p:spPr/>
-        <p:txBody>
-          <a:bodyPr/>
-          <a:lstStyle/>
-          <a:p>
-            <a:r>
-              <a:rPr lang="en-US" dirty="0"/>
-              <a:t>Lose money</a:t>
-            </a:r>
           </a:p>
         </p:txBody>
       </p:sp>
     </p:spTree>
     <p:extLst>
       <p:ext uri="{BB962C8B-B14F-4D97-AF65-F5344CB8AC3E}">
-        <p14:creationId xmlns:p14="http://schemas.microsoft.com/office/powerpoint/2010/main" val="2592824373"/>
+        <p14:creationId xmlns:p14="http://schemas.microsoft.com/office/powerpoint/2010/main" val="1945896474"/>
+      </p:ext>
+    </p:extLst>
+  </p:cSld>
+  <p:clrMapOvr>
+    <a:masterClrMapping/>
+  </p:clrMapOvr>
+</p:sld>
+</file>
+
+<file path=ppt/slides/slide17.xml><?xml version="1.0" encoding="utf-8"?>
+<p:sld xmlns:a="http://schemas.openxmlformats.org/drawingml/2006/main" xmlns:r="http://schemas.openxmlformats.org/officeDocument/2006/relationships" xmlns:p="http://schemas.openxmlformats.org/presentationml/2006/main">
+  <p:cSld>
+    <p:spTree>
+      <p:nvGrpSpPr>
+        <p:cNvPr id="1" name=""/>
+        <p:cNvGrpSpPr/>
+        <p:nvPr/>
+      </p:nvGrpSpPr>
+      <p:grpSpPr>
+        <a:xfrm>
+          <a:off x="0" y="0"/>
+          <a:ext cx="0" cy="0"/>
+          <a:chOff x="0" y="0"/>
+          <a:chExt cx="0" cy="0"/>
+        </a:xfrm>
+      </p:grpSpPr>
+      <p:pic>
+        <p:nvPicPr>
+          <p:cNvPr id="4" name="Picture 3"/>
+          <p:cNvPicPr>
+            <a:picLocks noChangeAspect="1"/>
+          </p:cNvPicPr>
+          <p:nvPr/>
+        </p:nvPicPr>
+        <p:blipFill>
+          <a:blip r:embed="rId2"/>
+          <a:stretch>
+            <a:fillRect/>
+          </a:stretch>
+        </p:blipFill>
+        <p:spPr>
+          <a:xfrm>
+            <a:off x="7756818" y="63549"/>
+            <a:ext cx="3990505" cy="2734670"/>
+          </a:xfrm>
+          <a:prstGeom prst="rect">
+            <a:avLst/>
+          </a:prstGeom>
+        </p:spPr>
+      </p:pic>
+      <p:sp>
+        <p:nvSpPr>
+          <p:cNvPr id="2" name="Title 1"/>
+          <p:cNvSpPr>
+            <a:spLocks noGrp="1"/>
+          </p:cNvSpPr>
+          <p:nvPr>
+            <p:ph type="title"/>
+          </p:nvPr>
+        </p:nvSpPr>
+        <p:spPr/>
+        <p:txBody>
+          <a:bodyPr>
+            <a:normAutofit fontScale="90000"/>
+          </a:bodyPr>
+          <a:lstStyle/>
+          <a:p>
+            <a:r>
+              <a:rPr lang="en-US" dirty="0"/>
+              <a:t>Mining</a:t>
+            </a:r>
+          </a:p>
+        </p:txBody>
+      </p:sp>
+      <p:sp>
+        <p:nvSpPr>
+          <p:cNvPr id="3" name="Content Placeholder 2"/>
+          <p:cNvSpPr>
+            <a:spLocks noGrp="1"/>
+          </p:cNvSpPr>
+          <p:nvPr>
+            <p:ph sz="half" idx="1"/>
+          </p:nvPr>
+        </p:nvSpPr>
+        <p:spPr>
+          <a:xfrm>
+            <a:off x="93518" y="1120877"/>
+            <a:ext cx="5926283" cy="5560478"/>
+          </a:xfrm>
+        </p:spPr>
+        <p:txBody>
+          <a:bodyPr>
+            <a:normAutofit lnSpcReduction="10000"/>
+          </a:bodyPr>
+          <a:lstStyle/>
+          <a:p>
+            <a:r>
+              <a:rPr lang="en-US" dirty="0"/>
+              <a:t>Real purpose:</a:t>
+            </a:r>
+          </a:p>
+          <a:p>
+            <a:pPr lvl="1"/>
+            <a:r>
+              <a:rPr lang="en-US" dirty="0"/>
+              <a:t>Verify transactions</a:t>
+            </a:r>
+          </a:p>
+          <a:p>
+            <a:pPr lvl="1"/>
+            <a:r>
+              <a:rPr lang="en-US" dirty="0"/>
+              <a:t>Safeguard the block chain</a:t>
+            </a:r>
+          </a:p>
+          <a:p>
+            <a:r>
+              <a:rPr lang="en-US" dirty="0"/>
+              <a:t>Mining: </a:t>
+            </a:r>
+          </a:p>
+          <a:p>
+            <a:pPr lvl="1"/>
+            <a:r>
+              <a:rPr lang="en-US" dirty="0"/>
+              <a:t>Every 4 years, cut in half, every 10 minutes</a:t>
+            </a:r>
+          </a:p>
+          <a:p>
+            <a:pPr lvl="1"/>
+            <a:r>
+              <a:rPr lang="en-US" dirty="0"/>
+              <a:t>all 21 million in 2140</a:t>
+            </a:r>
+          </a:p>
+          <a:p>
+            <a:pPr lvl="1"/>
+            <a:r>
+              <a:rPr lang="en-US" dirty="0">
+                <a:hlinkClick r:id="rId3"/>
+              </a:rPr>
+              <a:t>Current 16.3 million</a:t>
+            </a:r>
+            <a:endParaRPr lang="en-US" dirty="0"/>
+          </a:p>
+          <a:p>
+            <a:pPr lvl="1"/>
+            <a:r>
+              <a:rPr lang="en-US" dirty="0"/>
+              <a:t>Smallest: 1/100,000,000 </a:t>
+            </a:r>
+            <a:r>
+              <a:rPr lang="en-US" dirty="0" err="1"/>
+              <a:t>BitCoin</a:t>
+            </a:r>
+            <a:r>
+              <a:rPr lang="en-US" dirty="0"/>
+              <a:t>  = 1 Satoshi</a:t>
+            </a:r>
+          </a:p>
+          <a:p>
+            <a:pPr lvl="1"/>
+            <a:r>
+              <a:rPr lang="en-US" dirty="0"/>
+              <a:t>Future: transactions</a:t>
+            </a:r>
+          </a:p>
+          <a:p>
+            <a:r>
+              <a:rPr lang="en-US" dirty="0"/>
+              <a:t>How 10 minutes:</a:t>
+            </a:r>
+          </a:p>
+          <a:p>
+            <a:pPr lvl="1"/>
+            <a:r>
+              <a:rPr lang="en-US" dirty="0"/>
+              <a:t>Adjust difficulty every 2016 blocks, (around 2 weeks)</a:t>
+            </a:r>
+          </a:p>
+          <a:p>
+            <a:pPr lvl="1"/>
+            <a:endParaRPr lang="en-US" dirty="0"/>
+          </a:p>
+        </p:txBody>
+      </p:sp>
+      <p:pic>
+        <p:nvPicPr>
+          <p:cNvPr id="5" name="Picture 4">
+            <a:hlinkClick r:id="rId4"/>
+          </p:cNvPr>
+          <p:cNvPicPr>
+            <a:picLocks noChangeAspect="1"/>
+          </p:cNvPicPr>
+          <p:nvPr/>
+        </p:nvPicPr>
+        <p:blipFill>
+          <a:blip r:embed="rId5"/>
+          <a:stretch>
+            <a:fillRect/>
+          </a:stretch>
+        </p:blipFill>
+        <p:spPr>
+          <a:xfrm>
+            <a:off x="6914326" y="2992372"/>
+            <a:ext cx="5004190" cy="3832394"/>
+          </a:xfrm>
+          <a:prstGeom prst="rect">
+            <a:avLst/>
+          </a:prstGeom>
+        </p:spPr>
+      </p:pic>
+      <p:sp>
+        <p:nvSpPr>
+          <p:cNvPr id="7" name="Slide Number Placeholder 6"/>
+          <p:cNvSpPr>
+            <a:spLocks noGrp="1"/>
+          </p:cNvSpPr>
+          <p:nvPr>
+            <p:ph type="sldNum" sz="quarter" idx="12"/>
+          </p:nvPr>
+        </p:nvSpPr>
+        <p:spPr/>
+        <p:txBody>
+          <a:bodyPr/>
+          <a:lstStyle/>
+          <a:p>
+            <a:fld id="{656EEF9C-D8EE-4444-AD18-FDA4DCDDF73B}" type="slidenum">
+              <a:rPr lang="en-US" smtClean="0"/>
+              <a:t>17</a:t>
+            </a:fld>
+            <a:endParaRPr lang="en-US"/>
+          </a:p>
+        </p:txBody>
+      </p:sp>
+      <p:sp>
+        <p:nvSpPr>
+          <p:cNvPr id="8" name="Rectangle 7"/>
+          <p:cNvSpPr/>
+          <p:nvPr/>
+        </p:nvSpPr>
+        <p:spPr>
+          <a:xfrm>
+            <a:off x="8530145" y="5818433"/>
+            <a:ext cx="649024" cy="369332"/>
+          </a:xfrm>
+          <a:prstGeom prst="rect">
+            <a:avLst/>
+          </a:prstGeom>
+        </p:spPr>
+        <p:txBody>
+          <a:bodyPr wrap="none">
+            <a:spAutoFit/>
+          </a:bodyPr>
+          <a:lstStyle/>
+          <a:p>
+            <a:r>
+              <a:rPr lang="en-US" dirty="0">
+                <a:hlinkClick r:id="rId4"/>
+              </a:rPr>
+              <a:t>Links</a:t>
+            </a:r>
+            <a:endParaRPr lang="en-US" dirty="0"/>
+          </a:p>
+        </p:txBody>
+      </p:sp>
+    </p:spTree>
+    <p:extLst>
+      <p:ext uri="{BB962C8B-B14F-4D97-AF65-F5344CB8AC3E}">
+        <p14:creationId xmlns:p14="http://schemas.microsoft.com/office/powerpoint/2010/main" val="1708433073"/>
+      </p:ext>
+    </p:extLst>
+  </p:cSld>
+  <p:clrMapOvr>
+    <a:masterClrMapping/>
+  </p:clrMapOvr>
+</p:sld>
+</file>
+
+<file path=ppt/slides/slide18.xml><?xml version="1.0" encoding="utf-8"?>
+<p:sld xmlns:a="http://schemas.openxmlformats.org/drawingml/2006/main" xmlns:r="http://schemas.openxmlformats.org/officeDocument/2006/relationships" xmlns:p="http://schemas.openxmlformats.org/presentationml/2006/main">
+  <p:cSld>
+    <p:spTree>
+      <p:nvGrpSpPr>
+        <p:cNvPr id="1" name=""/>
+        <p:cNvGrpSpPr/>
+        <p:nvPr/>
+      </p:nvGrpSpPr>
+      <p:grpSpPr>
+        <a:xfrm>
+          <a:off x="0" y="0"/>
+          <a:ext cx="0" cy="0"/>
+          <a:chOff x="0" y="0"/>
+          <a:chExt cx="0" cy="0"/>
+        </a:xfrm>
+      </p:grpSpPr>
+      <p:sp>
+        <p:nvSpPr>
+          <p:cNvPr id="2" name="Title 1"/>
+          <p:cNvSpPr>
+            <a:spLocks noGrp="1"/>
+          </p:cNvSpPr>
+          <p:nvPr>
+            <p:ph type="title"/>
+          </p:nvPr>
+        </p:nvSpPr>
+        <p:spPr/>
+        <p:txBody>
+          <a:bodyPr>
+            <a:normAutofit fontScale="90000"/>
+          </a:bodyPr>
+          <a:lstStyle/>
+          <a:p>
+            <a:r>
+              <a:rPr lang="en-US" dirty="0"/>
+              <a:t>Summery</a:t>
+            </a:r>
+          </a:p>
+        </p:txBody>
+      </p:sp>
+      <p:sp>
+        <p:nvSpPr>
+          <p:cNvPr id="3" name="Content Placeholder 2"/>
+          <p:cNvSpPr>
+            <a:spLocks noGrp="1"/>
+          </p:cNvSpPr>
+          <p:nvPr>
+            <p:ph sz="half" idx="1"/>
+          </p:nvPr>
+        </p:nvSpPr>
+        <p:spPr/>
+        <p:txBody>
+          <a:bodyPr/>
+          <a:lstStyle/>
+          <a:p>
+            <a:r>
+              <a:rPr lang="en-US" dirty="0"/>
+              <a:t>Mathematically protected digital currency</a:t>
+            </a:r>
+          </a:p>
+          <a:p>
+            <a:r>
+              <a:rPr lang="en-US" dirty="0"/>
+              <a:t>Maintained by a network of peers</a:t>
+            </a:r>
+          </a:p>
+          <a:p>
+            <a:endParaRPr lang="en-US" dirty="0"/>
+          </a:p>
+          <a:p>
+            <a:r>
+              <a:rPr lang="en-US" dirty="0"/>
+              <a:t>Digital Signature:</a:t>
+            </a:r>
+          </a:p>
+          <a:p>
+            <a:pPr lvl="1"/>
+            <a:r>
+              <a:rPr lang="en-US" dirty="0"/>
+              <a:t>Safeguard money</a:t>
+            </a:r>
+          </a:p>
+          <a:p>
+            <a:r>
+              <a:rPr lang="en-US" dirty="0"/>
+              <a:t>Transaction chains</a:t>
+            </a:r>
+          </a:p>
+          <a:p>
+            <a:pPr lvl="1"/>
+            <a:r>
+              <a:rPr lang="en-US" dirty="0"/>
+              <a:t>Store history of ownership</a:t>
+            </a:r>
+          </a:p>
+          <a:p>
+            <a:r>
+              <a:rPr lang="en-US" dirty="0"/>
+              <a:t>Block Chain</a:t>
+            </a:r>
+          </a:p>
+          <a:p>
+            <a:pPr lvl="1"/>
+            <a:r>
+              <a:rPr lang="en-US" dirty="0"/>
+              <a:t>Hold transaction order</a:t>
+            </a:r>
+          </a:p>
+        </p:txBody>
+      </p:sp>
+      <p:sp>
+        <p:nvSpPr>
+          <p:cNvPr id="4" name="Content Placeholder 3"/>
+          <p:cNvSpPr>
+            <a:spLocks noGrp="1"/>
+          </p:cNvSpPr>
+          <p:nvPr>
+            <p:ph sz="half" idx="2"/>
+          </p:nvPr>
+        </p:nvSpPr>
+        <p:spPr>
+          <a:xfrm>
+            <a:off x="6172200" y="713984"/>
+            <a:ext cx="5793658" cy="6144016"/>
+          </a:xfrm>
+        </p:spPr>
+        <p:txBody>
+          <a:bodyPr>
+            <a:normAutofit/>
+          </a:bodyPr>
+          <a:lstStyle/>
+          <a:p>
+            <a:pPr marL="0" indent="0">
+              <a:buNone/>
+            </a:pPr>
+            <a:r>
+              <a:rPr lang="en-US" sz="3600" b="1" dirty="0">
+                <a:solidFill>
+                  <a:srgbClr val="C00000"/>
+                </a:solidFill>
+              </a:rPr>
+              <a:t>Benefits</a:t>
+            </a:r>
+            <a:endParaRPr lang="en-US" b="1" dirty="0">
+              <a:solidFill>
+                <a:srgbClr val="C00000"/>
+              </a:solidFill>
+            </a:endParaRPr>
+          </a:p>
+          <a:p>
+            <a:r>
+              <a:rPr lang="en-US" dirty="0"/>
+              <a:t>Government can’t print money</a:t>
+            </a:r>
+            <a:br>
+              <a:rPr lang="en-US" dirty="0"/>
+            </a:br>
+            <a:r>
+              <a:rPr lang="en-US" dirty="0"/>
+              <a:t>or manipulate currency</a:t>
+            </a:r>
+          </a:p>
+          <a:p>
+            <a:r>
+              <a:rPr lang="en-US" dirty="0"/>
+              <a:t>Anonymity</a:t>
+            </a:r>
+          </a:p>
+          <a:p>
+            <a:r>
+              <a:rPr lang="en-US" dirty="0"/>
+              <a:t>Lower global transaction costs</a:t>
+            </a:r>
+          </a:p>
+          <a:p>
+            <a:pPr marL="0" indent="0">
+              <a:buNone/>
+            </a:pPr>
+            <a:r>
+              <a:rPr lang="en-US" sz="3600" b="1" dirty="0">
+                <a:solidFill>
+                  <a:srgbClr val="C00000"/>
+                </a:solidFill>
+              </a:rPr>
+              <a:t>Challenges</a:t>
+            </a:r>
+            <a:endParaRPr lang="en-US" sz="3600" dirty="0"/>
+          </a:p>
+          <a:p>
+            <a:r>
+              <a:rPr lang="en-US" dirty="0"/>
+              <a:t>Difficult to exchange</a:t>
+            </a:r>
+          </a:p>
+          <a:p>
+            <a:r>
+              <a:rPr lang="en-US" dirty="0"/>
+              <a:t>Used for illegal activity (Government can’t track</a:t>
+            </a:r>
+          </a:p>
+          <a:p>
+            <a:r>
+              <a:rPr lang="en-US" dirty="0"/>
+              <a:t>Mining, or solving blocks</a:t>
+            </a:r>
+            <a:br>
+              <a:rPr lang="en-US" dirty="0"/>
+            </a:br>
+            <a:r>
+              <a:rPr lang="en-US" dirty="0"/>
+              <a:t>use large amount of energy</a:t>
+            </a:r>
+          </a:p>
+          <a:p>
+            <a:pPr marL="914400" lvl="2" indent="0">
+              <a:buNone/>
+            </a:pPr>
+            <a:endParaRPr lang="en-US" dirty="0"/>
+          </a:p>
+        </p:txBody>
+      </p:sp>
+      <p:sp>
+        <p:nvSpPr>
+          <p:cNvPr id="5" name="Slide Number Placeholder 4"/>
+          <p:cNvSpPr>
+            <a:spLocks noGrp="1"/>
+          </p:cNvSpPr>
+          <p:nvPr>
+            <p:ph type="sldNum" sz="quarter" idx="12"/>
+          </p:nvPr>
+        </p:nvSpPr>
+        <p:spPr/>
+        <p:txBody>
+          <a:bodyPr/>
+          <a:lstStyle/>
+          <a:p>
+            <a:fld id="{656EEF9C-D8EE-4444-AD18-FDA4DCDDF73B}" type="slidenum">
+              <a:rPr lang="en-US" smtClean="0"/>
+              <a:t>18</a:t>
+            </a:fld>
+            <a:endParaRPr lang="en-US"/>
+          </a:p>
+        </p:txBody>
+      </p:sp>
+    </p:spTree>
+    <p:extLst>
+      <p:ext uri="{BB962C8B-B14F-4D97-AF65-F5344CB8AC3E}">
+        <p14:creationId xmlns:p14="http://schemas.microsoft.com/office/powerpoint/2010/main" val="1797374379"/>
+      </p:ext>
+    </p:extLst>
+  </p:cSld>
+  <p:clrMapOvr>
+    <a:masterClrMapping/>
+  </p:clrMapOvr>
+</p:sld>
+</file>
+
+<file path=ppt/slides/slide19.xml><?xml version="1.0" encoding="utf-8"?>
+<p:sld xmlns:a="http://schemas.openxmlformats.org/drawingml/2006/main" xmlns:r="http://schemas.openxmlformats.org/officeDocument/2006/relationships" xmlns:p="http://schemas.openxmlformats.org/presentationml/2006/main">
+  <p:cSld>
+    <p:spTree>
+      <p:nvGrpSpPr>
+        <p:cNvPr id="1" name=""/>
+        <p:cNvGrpSpPr/>
+        <p:nvPr/>
+      </p:nvGrpSpPr>
+      <p:grpSpPr>
+        <a:xfrm>
+          <a:off x="0" y="0"/>
+          <a:ext cx="0" cy="0"/>
+          <a:chOff x="0" y="0"/>
+          <a:chExt cx="0" cy="0"/>
+        </a:xfrm>
+      </p:grpSpPr>
+      <p:sp>
+        <p:nvSpPr>
+          <p:cNvPr id="2" name="Title 1"/>
+          <p:cNvSpPr>
+            <a:spLocks noGrp="1"/>
+          </p:cNvSpPr>
+          <p:nvPr>
+            <p:ph type="title"/>
+          </p:nvPr>
+        </p:nvSpPr>
+        <p:spPr/>
+        <p:txBody>
+          <a:bodyPr>
+            <a:normAutofit fontScale="90000"/>
+          </a:bodyPr>
+          <a:lstStyle/>
+          <a:p>
+            <a:endParaRPr lang="en-US"/>
+          </a:p>
+        </p:txBody>
+      </p:sp>
+      <p:sp>
+        <p:nvSpPr>
+          <p:cNvPr id="3" name="Content Placeholder 2"/>
+          <p:cNvSpPr>
+            <a:spLocks noGrp="1"/>
+          </p:cNvSpPr>
+          <p:nvPr>
+            <p:ph sz="half" idx="1"/>
+          </p:nvPr>
+        </p:nvSpPr>
+        <p:spPr/>
+        <p:txBody>
+          <a:bodyPr/>
+          <a:lstStyle/>
+          <a:p>
+            <a:endParaRPr lang="en-US"/>
+          </a:p>
+        </p:txBody>
+      </p:sp>
+      <p:sp>
+        <p:nvSpPr>
+          <p:cNvPr id="4" name="Content Placeholder 3"/>
+          <p:cNvSpPr>
+            <a:spLocks noGrp="1"/>
+          </p:cNvSpPr>
+          <p:nvPr>
+            <p:ph sz="half" idx="2"/>
+          </p:nvPr>
+        </p:nvSpPr>
+        <p:spPr/>
+        <p:txBody>
+          <a:bodyPr/>
+          <a:lstStyle/>
+          <a:p>
+            <a:endParaRPr lang="en-US"/>
+          </a:p>
+        </p:txBody>
+      </p:sp>
+      <p:sp>
+        <p:nvSpPr>
+          <p:cNvPr id="5" name="Slide Number Placeholder 4"/>
+          <p:cNvSpPr>
+            <a:spLocks noGrp="1"/>
+          </p:cNvSpPr>
+          <p:nvPr>
+            <p:ph type="sldNum" sz="quarter" idx="12"/>
+          </p:nvPr>
+        </p:nvSpPr>
+        <p:spPr/>
+        <p:txBody>
+          <a:bodyPr/>
+          <a:lstStyle/>
+          <a:p>
+            <a:fld id="{656EEF9C-D8EE-4444-AD18-FDA4DCDDF73B}" type="slidenum">
+              <a:rPr lang="en-US" smtClean="0"/>
+              <a:t>19</a:t>
+            </a:fld>
+            <a:endParaRPr lang="en-US"/>
+          </a:p>
+        </p:txBody>
+      </p:sp>
+    </p:spTree>
+    <p:extLst>
+      <p:ext uri="{BB962C8B-B14F-4D97-AF65-F5344CB8AC3E}">
+        <p14:creationId xmlns:p14="http://schemas.microsoft.com/office/powerpoint/2010/main" val="564625984"/>
       </p:ext>
     </p:extLst>
   </p:cSld>
@@ -4945,6 +6392,143 @@
             <a:spLocks noGrp="1"/>
           </p:cNvSpPr>
           <p:nvPr>
+            <p:ph type="ctrTitle"/>
+          </p:nvPr>
+        </p:nvSpPr>
+        <p:spPr>
+          <a:xfrm>
+            <a:off x="1524000" y="1122363"/>
+            <a:ext cx="9144000" cy="1808727"/>
+          </a:xfrm>
+        </p:spPr>
+        <p:txBody>
+          <a:bodyPr/>
+          <a:lstStyle/>
+          <a:p>
+            <a:r>
+              <a:rPr lang="en-US" b="1" dirty="0"/>
+              <a:t>How Bitcoin Works</a:t>
+            </a:r>
+          </a:p>
+        </p:txBody>
+      </p:sp>
+      <p:sp>
+        <p:nvSpPr>
+          <p:cNvPr id="3" name="Subtitle 2"/>
+          <p:cNvSpPr>
+            <a:spLocks noGrp="1"/>
+          </p:cNvSpPr>
+          <p:nvPr>
+            <p:ph type="subTitle" idx="1"/>
+          </p:nvPr>
+        </p:nvSpPr>
+        <p:spPr>
+          <a:xfrm>
+            <a:off x="1524000" y="3970750"/>
+            <a:ext cx="9144000" cy="1287049"/>
+          </a:xfrm>
+        </p:spPr>
+        <p:txBody>
+          <a:bodyPr>
+            <a:normAutofit/>
+          </a:bodyPr>
+          <a:lstStyle/>
+          <a:p>
+            <a:r>
+              <a:rPr lang="en-US" sz="3600" dirty="0"/>
+              <a:t>Andy Wu (</a:t>
+            </a:r>
+            <a:r>
+              <a:rPr lang="zh-CN" altLang="en-US" sz="3600" dirty="0"/>
+              <a:t>吴增德）</a:t>
+            </a:r>
+            <a:endParaRPr lang="en-US" altLang="zh-CN" sz="3600" dirty="0"/>
+          </a:p>
+          <a:p>
+            <a:r>
+              <a:rPr lang="en-US" sz="3600" dirty="0"/>
+              <a:t>2017</a:t>
+            </a:r>
+            <a:r>
+              <a:rPr lang="zh-CN" altLang="en-US" sz="3600" dirty="0"/>
+              <a:t>－</a:t>
+            </a:r>
+            <a:r>
+              <a:rPr lang="en-US" altLang="zh-CN" sz="3600" dirty="0"/>
+              <a:t>05</a:t>
+            </a:r>
+            <a:r>
+              <a:rPr lang="zh-CN" altLang="en-US" sz="3600" dirty="0"/>
+              <a:t>－</a:t>
+            </a:r>
+            <a:r>
+              <a:rPr lang="en-US" altLang="zh-CN" sz="3600" dirty="0"/>
+              <a:t>29</a:t>
+            </a:r>
+            <a:endParaRPr lang="en-US" sz="3600" dirty="0"/>
+          </a:p>
+        </p:txBody>
+      </p:sp>
+      <p:sp>
+        <p:nvSpPr>
+          <p:cNvPr id="4" name="Slide Number Placeholder 3"/>
+          <p:cNvSpPr>
+            <a:spLocks noGrp="1"/>
+          </p:cNvSpPr>
+          <p:nvPr>
+            <p:ph type="sldNum" sz="quarter" idx="12"/>
+          </p:nvPr>
+        </p:nvSpPr>
+        <p:spPr/>
+        <p:txBody>
+          <a:bodyPr/>
+          <a:lstStyle/>
+          <a:p>
+            <a:fld id="{656EEF9C-D8EE-4444-AD18-FDA4DCDDF73B}" type="slidenum">
+              <a:rPr lang="en-US" smtClean="0"/>
+              <a:t>2</a:t>
+            </a:fld>
+            <a:endParaRPr lang="en-US"/>
+          </a:p>
+        </p:txBody>
+      </p:sp>
+    </p:spTree>
+    <p:extLst>
+      <p:ext uri="{BB962C8B-B14F-4D97-AF65-F5344CB8AC3E}">
+        <p14:creationId xmlns:p14="http://schemas.microsoft.com/office/powerpoint/2010/main" val="3717513405"/>
+      </p:ext>
+    </p:extLst>
+  </p:cSld>
+  <p:clrMapOvr>
+    <a:masterClrMapping/>
+  </p:clrMapOvr>
+</p:sld>
+</file>
+
+<file path=ppt/slides/slide20.xml><?xml version="1.0" encoding="utf-8"?>
+<p:sld xmlns:a="http://schemas.openxmlformats.org/drawingml/2006/main" xmlns:r="http://schemas.openxmlformats.org/officeDocument/2006/relationships" xmlns:p="http://schemas.openxmlformats.org/presentationml/2006/main">
+  <p:cSld>
+    <p:spTree>
+      <p:nvGrpSpPr>
+        <p:cNvPr id="1" name=""/>
+        <p:cNvGrpSpPr/>
+        <p:nvPr/>
+      </p:nvGrpSpPr>
+      <p:grpSpPr>
+        <a:xfrm>
+          <a:off x="0" y="0"/>
+          <a:ext cx="0" cy="0"/>
+          <a:chOff x="0" y="0"/>
+          <a:chExt cx="0" cy="0"/>
+        </a:xfrm>
+      </p:grpSpPr>
+      <p:sp>
+        <p:nvSpPr>
+          <p:cNvPr id="2" name="Title 1"/>
+          <p:cNvSpPr>
+            <a:spLocks noGrp="1"/>
+          </p:cNvSpPr>
+          <p:nvPr>
             <p:ph type="title"/>
           </p:nvPr>
         </p:nvSpPr>
@@ -4955,10 +6539,7 @@
           </a:bodyPr>
           <a:lstStyle/>
           <a:p>
-            <a:r>
-              <a:rPr lang="en-US" dirty="0"/>
-              <a:t>TODO</a:t>
-            </a:r>
+            <a:endParaRPr lang="en-US"/>
           </a:p>
         </p:txBody>
       </p:sp>
@@ -4969,70 +6550,184 @@
             <a:spLocks noGrp="1"/>
           </p:cNvSpPr>
           <p:nvPr>
-            <p:ph idx="1"/>
-          </p:nvPr>
-        </p:nvSpPr>
-        <p:spPr/>
-        <p:txBody>
-          <a:bodyPr/>
-          <a:lstStyle/>
-          <a:p>
-            <a:r>
-              <a:rPr lang="en-US" dirty="0"/>
-              <a:t>How transaction is done</a:t>
-            </a:r>
-          </a:p>
-          <a:p>
-            <a:r>
-              <a:rPr lang="en-US" dirty="0"/>
-              <a:t>How to transfer</a:t>
-            </a:r>
-          </a:p>
-          <a:p>
-            <a:pPr lvl="1"/>
-            <a:r>
-              <a:rPr lang="en-US" dirty="0"/>
-              <a:t>RSA</a:t>
-            </a:r>
-          </a:p>
-          <a:p>
-            <a:pPr lvl="1"/>
-            <a:r>
-              <a:rPr lang="en-US" dirty="0"/>
-              <a:t>Bitcoin cryptography</a:t>
-            </a:r>
-          </a:p>
-          <a:p>
-            <a:pPr lvl="1"/>
-            <a:r>
-              <a:rPr lang="en-US" dirty="0"/>
-              <a:t>HASH 256</a:t>
-            </a:r>
-          </a:p>
-          <a:p>
-            <a:pPr lvl="1"/>
-            <a:r>
-              <a:rPr lang="en-US" dirty="0"/>
-              <a:t>To understand: blockchain.info</a:t>
-            </a:r>
-          </a:p>
-          <a:p>
-            <a:pPr lvl="1"/>
-            <a:r>
-              <a:rPr lang="en-US" dirty="0" err="1"/>
-              <a:t>Youtube</a:t>
-            </a:r>
-            <a:r>
-              <a:rPr lang="en-US" dirty="0"/>
-              <a:t>: blockchain.info</a:t>
-            </a:r>
+            <p:ph sz="half" idx="1"/>
+          </p:nvPr>
+        </p:nvSpPr>
+        <p:spPr/>
+        <p:txBody>
+          <a:bodyPr/>
+          <a:lstStyle/>
+          <a:p>
+            <a:endParaRPr lang="en-US"/>
+          </a:p>
+        </p:txBody>
+      </p:sp>
+      <p:sp>
+        <p:nvSpPr>
+          <p:cNvPr id="4" name="Content Placeholder 3"/>
+          <p:cNvSpPr>
+            <a:spLocks noGrp="1"/>
+          </p:cNvSpPr>
+          <p:nvPr>
+            <p:ph sz="half" idx="2"/>
+          </p:nvPr>
+        </p:nvSpPr>
+        <p:spPr/>
+        <p:txBody>
+          <a:bodyPr/>
+          <a:lstStyle/>
+          <a:p>
+            <a:endParaRPr lang="en-US"/>
+          </a:p>
+        </p:txBody>
+      </p:sp>
+      <p:sp>
+        <p:nvSpPr>
+          <p:cNvPr id="5" name="Slide Number Placeholder 4"/>
+          <p:cNvSpPr>
+            <a:spLocks noGrp="1"/>
+          </p:cNvSpPr>
+          <p:nvPr>
+            <p:ph type="sldNum" sz="quarter" idx="12"/>
+          </p:nvPr>
+        </p:nvSpPr>
+        <p:spPr/>
+        <p:txBody>
+          <a:bodyPr/>
+          <a:lstStyle/>
+          <a:p>
+            <a:fld id="{656EEF9C-D8EE-4444-AD18-FDA4DCDDF73B}" type="slidenum">
+              <a:rPr lang="en-US" smtClean="0"/>
+              <a:t>20</a:t>
+            </a:fld>
+            <a:endParaRPr lang="en-US"/>
           </a:p>
         </p:txBody>
       </p:sp>
     </p:spTree>
     <p:extLst>
       <p:ext uri="{BB962C8B-B14F-4D97-AF65-F5344CB8AC3E}">
-        <p14:creationId xmlns:p14="http://schemas.microsoft.com/office/powerpoint/2010/main" val="3697534213"/>
+        <p14:creationId xmlns:p14="http://schemas.microsoft.com/office/powerpoint/2010/main" val="2241798649"/>
+      </p:ext>
+    </p:extLst>
+  </p:cSld>
+  <p:clrMapOvr>
+    <a:masterClrMapping/>
+  </p:clrMapOvr>
+</p:sld>
+</file>
+
+<file path=ppt/slides/slide21.xml><?xml version="1.0" encoding="utf-8"?>
+<p:sld xmlns:a="http://schemas.openxmlformats.org/drawingml/2006/main" xmlns:r="http://schemas.openxmlformats.org/officeDocument/2006/relationships" xmlns:p="http://schemas.openxmlformats.org/presentationml/2006/main">
+  <p:cSld>
+    <p:spTree>
+      <p:nvGrpSpPr>
+        <p:cNvPr id="1" name=""/>
+        <p:cNvGrpSpPr/>
+        <p:nvPr/>
+      </p:nvGrpSpPr>
+      <p:grpSpPr>
+        <a:xfrm>
+          <a:off x="0" y="0"/>
+          <a:ext cx="0" cy="0"/>
+          <a:chOff x="0" y="0"/>
+          <a:chExt cx="0" cy="0"/>
+        </a:xfrm>
+      </p:grpSpPr>
+      <p:sp>
+        <p:nvSpPr>
+          <p:cNvPr id="2" name="Title 1"/>
+          <p:cNvSpPr>
+            <a:spLocks noGrp="1"/>
+          </p:cNvSpPr>
+          <p:nvPr>
+            <p:ph type="title"/>
+          </p:nvPr>
+        </p:nvSpPr>
+        <p:spPr/>
+        <p:txBody>
+          <a:bodyPr>
+            <a:normAutofit fontScale="90000"/>
+          </a:bodyPr>
+          <a:lstStyle/>
+          <a:p>
+            <a:r>
+              <a:rPr lang="en-US" dirty="0"/>
+              <a:t>Double Spending in the Block Chain</a:t>
+            </a:r>
+          </a:p>
+        </p:txBody>
+      </p:sp>
+      <p:sp>
+        <p:nvSpPr>
+          <p:cNvPr id="3" name="Content Placeholder 2"/>
+          <p:cNvSpPr>
+            <a:spLocks noGrp="1"/>
+          </p:cNvSpPr>
+          <p:nvPr>
+            <p:ph idx="1"/>
+          </p:nvPr>
+        </p:nvSpPr>
+        <p:spPr/>
+        <p:txBody>
+          <a:bodyPr/>
+          <a:lstStyle/>
+          <a:p>
+            <a:endParaRPr lang="en-US" dirty="0"/>
+          </a:p>
+        </p:txBody>
+      </p:sp>
+      <p:pic>
+        <p:nvPicPr>
+          <p:cNvPr id="7" name="Picture 6"/>
+          <p:cNvPicPr>
+            <a:picLocks noChangeAspect="1"/>
+          </p:cNvPicPr>
+          <p:nvPr/>
+        </p:nvPicPr>
+        <p:blipFill>
+          <a:blip r:embed="rId2"/>
+          <a:stretch>
+            <a:fillRect/>
+          </a:stretch>
+        </p:blipFill>
+        <p:spPr>
+          <a:xfrm>
+            <a:off x="245805" y="1150374"/>
+            <a:ext cx="4874222" cy="2697798"/>
+          </a:xfrm>
+          <a:prstGeom prst="rect">
+            <a:avLst/>
+          </a:prstGeom>
+        </p:spPr>
+      </p:pic>
+      <p:sp>
+        <p:nvSpPr>
+          <p:cNvPr id="8" name="Slide Number Placeholder 7"/>
+          <p:cNvSpPr>
+            <a:spLocks noGrp="1"/>
+          </p:cNvSpPr>
+          <p:nvPr>
+            <p:ph type="sldNum" sz="quarter" idx="12"/>
+          </p:nvPr>
+        </p:nvSpPr>
+        <p:spPr/>
+        <p:txBody>
+          <a:bodyPr/>
+          <a:lstStyle/>
+          <a:p>
+            <a:fld id="{656EEF9C-D8EE-4444-AD18-FDA4DCDDF73B}" type="slidenum">
+              <a:rPr lang="en-US" smtClean="0"/>
+              <a:t>21</a:t>
+            </a:fld>
+            <a:endParaRPr lang="en-US"/>
+          </a:p>
+        </p:txBody>
+      </p:sp>
+    </p:spTree>
+    <p:extLst>
+      <p:ext uri="{BB962C8B-B14F-4D97-AF65-F5344CB8AC3E}">
+        <p14:creationId xmlns:p14="http://schemas.microsoft.com/office/powerpoint/2010/main" val="4094925853"/>
       </p:ext>
     </p:extLst>
   </p:cSld>
@@ -5092,30 +6787,30 @@
           <p:nvPr>
             <p:extLst>
               <p:ext uri="{D42A27DB-BD31-4B8C-83A1-F6EECF244321}">
-                <p14:modId xmlns:p14="http://schemas.microsoft.com/office/powerpoint/2010/main" val="2694754794"/>
+                <p14:modId xmlns:p14="http://schemas.microsoft.com/office/powerpoint/2010/main" val="2392188588"/>
               </p:ext>
             </p:extLst>
           </p:nvPr>
         </p:nvGraphicFramePr>
         <p:xfrm>
-          <a:off x="474212" y="2940529"/>
-          <a:ext cx="2987900" cy="2666142"/>
+          <a:off x="474212" y="3092576"/>
+          <a:ext cx="5225130" cy="3157910"/>
         </p:xfrm>
         <a:graphic>
           <a:graphicData uri="http://schemas.openxmlformats.org/drawingml/2006/table">
             <a:tbl>
-              <a:tblPr firstRow="1" bandRow="1">
+              <a:tblPr bandRow="1">
                 <a:tableStyleId>{5C22544A-7EE6-4342-B048-85BDC9FD1C3A}</a:tableStyleId>
               </a:tblPr>
               <a:tblGrid>
-                <a:gridCol w="1493950">
+                <a:gridCol w="2612565">
                   <a:extLst>
                     <a:ext uri="{9D8B030D-6E8A-4147-A177-3AD203B41FA5}">
                       <a16:colId xmlns:a16="http://schemas.microsoft.com/office/drawing/2014/main" val="2721194005"/>
                     </a:ext>
                   </a:extLst>
                 </a:gridCol>
-                <a:gridCol w="1493950">
+                <a:gridCol w="2612565">
                   <a:extLst>
                     <a:ext uri="{9D8B030D-6E8A-4147-A177-3AD203B41FA5}">
                       <a16:colId xmlns:a16="http://schemas.microsoft.com/office/drawing/2014/main" val="2277102548"/>
@@ -5123,26 +6818,46 @@
                   </a:extLst>
                 </a:gridCol>
               </a:tblGrid>
-              <a:tr h="444357">
+              <a:tr h="631582">
                 <a:tc>
                   <a:txBody>
                     <a:bodyPr/>
                     <a:lstStyle/>
                     <a:p>
-                      <a:endParaRPr lang="en-US" dirty="0"/>
+                      <a:r>
+                        <a:rPr lang="en-US" sz="2800" dirty="0"/>
+                        <a:t>Alice</a:t>
+                      </a:r>
                     </a:p>
                   </a:txBody>
-                  <a:tcPr/>
+                  <a:tcPr>
+                    <a:lnT w="12700" cmpd="sng">
+                      <a:noFill/>
+                    </a:lnT>
+                    <a:lnB w="12700" cmpd="sng">
+                      <a:noFill/>
+                    </a:lnB>
+                  </a:tcPr>
                 </a:tc>
                 <a:tc>
                   <a:txBody>
                     <a:bodyPr/>
                     <a:lstStyle/>
                     <a:p>
-                      <a:endParaRPr lang="en-US"/>
+                      <a:r>
+                        <a:rPr lang="en-US" sz="2800" dirty="0"/>
+                        <a:t>5.4</a:t>
+                      </a:r>
                     </a:p>
                   </a:txBody>
-                  <a:tcPr/>
+                  <a:tcPr>
+                    <a:lnT w="12700" cmpd="sng">
+                      <a:noFill/>
+                    </a:lnT>
+                    <a:lnB w="12700" cmpd="sng">
+                      <a:noFill/>
+                    </a:lnB>
+                  </a:tcPr>
                 </a:tc>
                 <a:extLst>
                   <a:ext uri="{0D108BD9-81ED-4DB2-BD59-A6C34878D82A}">
@@ -5150,19 +6865,26 @@
                   </a:ext>
                 </a:extLst>
               </a:tr>
-              <a:tr h="444357">
+              <a:tr h="631582">
                 <a:tc>
                   <a:txBody>
                     <a:bodyPr/>
                     <a:lstStyle/>
                     <a:p>
                       <a:r>
-                        <a:rPr lang="en-US" dirty="0"/>
-                        <a:t>Alice</a:t>
+                        <a:rPr lang="en-US" sz="2800" dirty="0"/>
+                        <a:t>Bob</a:t>
                       </a:r>
                     </a:p>
                   </a:txBody>
-                  <a:tcPr/>
+                  <a:tcPr>
+                    <a:lnT w="12700" cmpd="sng">
+                      <a:noFill/>
+                    </a:lnT>
+                    <a:lnB w="12700" cmpd="sng">
+                      <a:noFill/>
+                    </a:lnB>
+                  </a:tcPr>
                 </a:tc>
                 <a:tc>
                   <a:txBody>
@@ -5170,32 +6892,46 @@
                     <a:lstStyle/>
                     <a:p>
                       <a:r>
-                        <a:rPr lang="en-US" dirty="0"/>
-                        <a:t>5.4</a:t>
+                        <a:rPr lang="en-US" sz="2800" dirty="0"/>
+                        <a:t>100</a:t>
                       </a:r>
                     </a:p>
                   </a:txBody>
-                  <a:tcPr/>
+                  <a:tcPr>
+                    <a:lnT w="12700" cmpd="sng">
+                      <a:noFill/>
+                    </a:lnT>
+                    <a:lnB w="12700" cmpd="sng">
+                      <a:noFill/>
+                    </a:lnB>
+                  </a:tcPr>
                 </a:tc>
                 <a:extLst>
                   <a:ext uri="{0D108BD9-81ED-4DB2-BD59-A6C34878D82A}">
-                    <a16:rowId xmlns:a16="http://schemas.microsoft.com/office/drawing/2014/main" val="3668713663"/>
+                    <a16:rowId xmlns:a16="http://schemas.microsoft.com/office/drawing/2014/main" val="2859383358"/>
                   </a:ext>
                 </a:extLst>
               </a:tr>
-              <a:tr h="444357">
+              <a:tr h="631582">
                 <a:tc>
                   <a:txBody>
                     <a:bodyPr/>
                     <a:lstStyle/>
                     <a:p>
                       <a:r>
-                        <a:rPr lang="en-US" dirty="0"/>
-                        <a:t>Bob</a:t>
+                        <a:rPr lang="en-US" sz="2800" dirty="0"/>
+                        <a:t>Frank</a:t>
                       </a:r>
                     </a:p>
                   </a:txBody>
-                  <a:tcPr/>
+                  <a:tcPr>
+                    <a:lnT w="12700" cmpd="sng">
+                      <a:noFill/>
+                    </a:lnT>
+                    <a:lnB w="12700" cmpd="sng">
+                      <a:noFill/>
+                    </a:lnB>
+                  </a:tcPr>
                 </a:tc>
                 <a:tc>
                   <a:txBody>
@@ -5203,32 +6939,46 @@
                     <a:lstStyle/>
                     <a:p>
                       <a:r>
-                        <a:rPr lang="en-US" dirty="0"/>
-                        <a:t>100</a:t>
+                        <a:rPr lang="en-US" sz="2800" dirty="0"/>
+                        <a:t>700</a:t>
                       </a:r>
                     </a:p>
                   </a:txBody>
-                  <a:tcPr/>
+                  <a:tcPr>
+                    <a:lnT w="12700" cmpd="sng">
+                      <a:noFill/>
+                    </a:lnT>
+                    <a:lnB w="12700" cmpd="sng">
+                      <a:noFill/>
+                    </a:lnB>
+                  </a:tcPr>
                 </a:tc>
                 <a:extLst>
                   <a:ext uri="{0D108BD9-81ED-4DB2-BD59-A6C34878D82A}">
-                    <a16:rowId xmlns:a16="http://schemas.microsoft.com/office/drawing/2014/main" val="2692289113"/>
+                    <a16:rowId xmlns:a16="http://schemas.microsoft.com/office/drawing/2014/main" val="3939695560"/>
                   </a:ext>
                 </a:extLst>
               </a:tr>
-              <a:tr h="444357">
+              <a:tr h="631582">
                 <a:tc>
                   <a:txBody>
                     <a:bodyPr/>
                     <a:lstStyle/>
                     <a:p>
                       <a:r>
-                        <a:rPr lang="en-US" dirty="0"/>
-                        <a:t>Frank</a:t>
+                        <a:rPr lang="en-US" sz="2800" dirty="0"/>
+                        <a:t>Carlos</a:t>
                       </a:r>
                     </a:p>
                   </a:txBody>
-                  <a:tcPr/>
+                  <a:tcPr>
+                    <a:lnT w="12700" cmpd="sng">
+                      <a:noFill/>
+                    </a:lnT>
+                    <a:lnB w="12700" cmpd="sng">
+                      <a:noFill/>
+                    </a:lnB>
+                  </a:tcPr>
                 </a:tc>
                 <a:tc>
                   <a:txBody>
@@ -5236,32 +6986,43 @@
                     <a:lstStyle/>
                     <a:p>
                       <a:r>
-                        <a:rPr lang="en-US" dirty="0"/>
-                        <a:t>700</a:t>
+                        <a:rPr lang="en-US" sz="2800" dirty="0"/>
+                        <a:t>0.0000001</a:t>
                       </a:r>
                     </a:p>
                   </a:txBody>
-                  <a:tcPr/>
+                  <a:tcPr>
+                    <a:lnT w="12700" cmpd="sng">
+                      <a:noFill/>
+                    </a:lnT>
+                    <a:lnB w="12700" cmpd="sng">
+                      <a:noFill/>
+                    </a:lnB>
+                  </a:tcPr>
                 </a:tc>
                 <a:extLst>
                   <a:ext uri="{0D108BD9-81ED-4DB2-BD59-A6C34878D82A}">
-                    <a16:rowId xmlns:a16="http://schemas.microsoft.com/office/drawing/2014/main" val="3369291433"/>
+                    <a16:rowId xmlns:a16="http://schemas.microsoft.com/office/drawing/2014/main" val="2968606845"/>
                   </a:ext>
                 </a:extLst>
               </a:tr>
-              <a:tr h="444357">
+              <a:tr h="631582">
                 <a:tc>
                   <a:txBody>
                     <a:bodyPr/>
                     <a:lstStyle/>
                     <a:p>
                       <a:r>
-                        <a:rPr lang="en-US" dirty="0"/>
-                        <a:t>Carlos</a:t>
+                        <a:rPr lang="en-US" sz="2800" dirty="0"/>
+                        <a:t>…</a:t>
                       </a:r>
                     </a:p>
                   </a:txBody>
-                  <a:tcPr/>
+                  <a:tcPr>
+                    <a:lnT w="12700" cmpd="sng">
+                      <a:noFill/>
+                    </a:lnT>
+                  </a:tcPr>
                 </a:tc>
                 <a:tc>
                   <a:txBody>
@@ -5269,49 +7030,20 @@
                     <a:lstStyle/>
                     <a:p>
                       <a:r>
-                        <a:rPr lang="en-US" dirty="0"/>
-                        <a:t>0.0000001</a:t>
-                      </a:r>
-                    </a:p>
-                  </a:txBody>
-                  <a:tcPr/>
-                </a:tc>
-                <a:extLst>
-                  <a:ext uri="{0D108BD9-81ED-4DB2-BD59-A6C34878D82A}">
-                    <a16:rowId xmlns:a16="http://schemas.microsoft.com/office/drawing/2014/main" val="1674882671"/>
-                  </a:ext>
-                </a:extLst>
-              </a:tr>
-              <a:tr h="444357">
-                <a:tc>
-                  <a:txBody>
-                    <a:bodyPr/>
-                    <a:lstStyle/>
-                    <a:p>
-                      <a:r>
-                        <a:rPr lang="en-US" dirty="0"/>
-                        <a:t>…</a:t>
-                      </a:r>
-                    </a:p>
-                  </a:txBody>
-                  <a:tcPr/>
-                </a:tc>
-                <a:tc>
-                  <a:txBody>
-                    <a:bodyPr/>
-                    <a:lstStyle/>
-                    <a:p>
-                      <a:r>
-                        <a:rPr lang="en-US" dirty="0"/>
+                        <a:rPr lang="en-US" sz="2800" dirty="0"/>
                         <a:t>1</a:t>
                       </a:r>
                     </a:p>
                   </a:txBody>
-                  <a:tcPr/>
+                  <a:tcPr>
+                    <a:lnT w="12700" cmpd="sng">
+                      <a:noFill/>
+                    </a:lnT>
+                  </a:tcPr>
                 </a:tc>
                 <a:extLst>
                   <a:ext uri="{0D108BD9-81ED-4DB2-BD59-A6C34878D82A}">
-                    <a16:rowId xmlns:a16="http://schemas.microsoft.com/office/drawing/2014/main" val="572726760"/>
+                    <a16:rowId xmlns:a16="http://schemas.microsoft.com/office/drawing/2014/main" val="1180148383"/>
                   </a:ext>
                 </a:extLst>
               </a:tr>
@@ -5327,8 +7059,8 @@
         </p:nvSpPr>
         <p:spPr>
           <a:xfrm>
-            <a:off x="1077451" y="2117891"/>
-            <a:ext cx="1781421" cy="461665"/>
+            <a:off x="2104585" y="2294198"/>
+            <a:ext cx="1781421" cy="646331"/>
           </a:xfrm>
           <a:prstGeom prst="rect">
             <a:avLst/>
@@ -5343,7 +7075,7 @@
           <a:p>
             <a:pPr algn="ctr"/>
             <a:r>
-              <a:rPr lang="en-US" sz="2400" dirty="0"/>
+              <a:rPr lang="en-US" sz="3600" dirty="0"/>
               <a:t>Ledger</a:t>
             </a:r>
           </a:p>
@@ -5352,30 +7084,6 @@
       <p:pic>
         <p:nvPicPr>
           <p:cNvPr id="7" name="Picture 6"/>
-          <p:cNvPicPr>
-            <a:picLocks noChangeAspect="1"/>
-          </p:cNvPicPr>
-          <p:nvPr/>
-        </p:nvPicPr>
-        <p:blipFill>
-          <a:blip r:embed="rId2"/>
-          <a:stretch>
-            <a:fillRect/>
-          </a:stretch>
-        </p:blipFill>
-        <p:spPr>
-          <a:xfrm>
-            <a:off x="4366246" y="2327656"/>
-            <a:ext cx="3464925" cy="3429387"/>
-          </a:xfrm>
-          <a:prstGeom prst="rect">
-            <a:avLst/>
-          </a:prstGeom>
-        </p:spPr>
-      </p:pic>
-      <p:pic>
-        <p:nvPicPr>
-          <p:cNvPr id="8" name="Picture 7"/>
           <p:cNvPicPr>
             <a:picLocks noChangeAspect="1"/>
           </p:cNvPicPr>
@@ -5389,14 +7097,61 @@
         </p:blipFill>
         <p:spPr>
           <a:xfrm>
-            <a:off x="8645236" y="3723235"/>
-            <a:ext cx="3431386" cy="1883436"/>
+            <a:off x="7609024" y="2584969"/>
+            <a:ext cx="3918653" cy="3878461"/>
           </a:xfrm>
           <a:prstGeom prst="rect">
             <a:avLst/>
           </a:prstGeom>
         </p:spPr>
       </p:pic>
+      <p:pic>
+        <p:nvPicPr>
+          <p:cNvPr id="8" name="Picture 7"/>
+          <p:cNvPicPr>
+            <a:picLocks noChangeAspect="1"/>
+          </p:cNvPicPr>
+          <p:nvPr/>
+        </p:nvPicPr>
+        <p:blipFill>
+          <a:blip r:embed="rId4"/>
+          <a:stretch>
+            <a:fillRect/>
+          </a:stretch>
+        </p:blipFill>
+        <p:spPr>
+          <a:xfrm>
+            <a:off x="8062752" y="23596"/>
+            <a:ext cx="4129248" cy="2266482"/>
+          </a:xfrm>
+          <a:prstGeom prst="rect">
+            <a:avLst/>
+          </a:prstGeom>
+        </p:spPr>
+      </p:pic>
+      <p:sp>
+        <p:nvSpPr>
+          <p:cNvPr id="9" name="Slide Number Placeholder 8"/>
+          <p:cNvSpPr>
+            <a:spLocks noGrp="1"/>
+          </p:cNvSpPr>
+          <p:nvPr>
+            <p:ph type="sldNum" sz="quarter" idx="12"/>
+          </p:nvPr>
+        </p:nvSpPr>
+        <p:spPr/>
+        <p:txBody>
+          <a:bodyPr/>
+          <a:lstStyle/>
+          <a:p>
+            <a:fld id="{656EEF9C-D8EE-4444-AD18-FDA4DCDDF73B}" type="slidenum">
+              <a:rPr lang="en-US" smtClean="0"/>
+              <a:t>3</a:t>
+            </a:fld>
+            <a:endParaRPr lang="en-US"/>
+          </a:p>
+        </p:txBody>
+      </p:sp>
     </p:spTree>
     <p:extLst>
       <p:ext uri="{BB962C8B-B14F-4D97-AF65-F5344CB8AC3E}">
@@ -5586,6 +7341,29 @@
           </a:prstGeom>
         </p:spPr>
       </p:pic>
+      <p:sp>
+        <p:nvSpPr>
+          <p:cNvPr id="9" name="Slide Number Placeholder 8"/>
+          <p:cNvSpPr>
+            <a:spLocks noGrp="1"/>
+          </p:cNvSpPr>
+          <p:nvPr>
+            <p:ph type="sldNum" sz="quarter" idx="12"/>
+          </p:nvPr>
+        </p:nvSpPr>
+        <p:spPr/>
+        <p:txBody>
+          <a:bodyPr/>
+          <a:lstStyle/>
+          <a:p>
+            <a:fld id="{656EEF9C-D8EE-4444-AD18-FDA4DCDDF73B}" type="slidenum">
+              <a:rPr lang="en-US" smtClean="0"/>
+              <a:t>4</a:t>
+            </a:fld>
+            <a:endParaRPr lang="en-US"/>
+          </a:p>
+        </p:txBody>
+      </p:sp>
     </p:spTree>
     <p:extLst>
       <p:ext uri="{BB962C8B-B14F-4D97-AF65-F5344CB8AC3E}">
@@ -5800,6 +7578,29 @@
           </a:p>
         </p:txBody>
       </p:sp>
+      <p:sp>
+        <p:nvSpPr>
+          <p:cNvPr id="12" name="Slide Number Placeholder 11"/>
+          <p:cNvSpPr>
+            <a:spLocks noGrp="1"/>
+          </p:cNvSpPr>
+          <p:nvPr>
+            <p:ph type="sldNum" sz="quarter" idx="12"/>
+          </p:nvPr>
+        </p:nvSpPr>
+        <p:spPr/>
+        <p:txBody>
+          <a:bodyPr/>
+          <a:lstStyle/>
+          <a:p>
+            <a:fld id="{656EEF9C-D8EE-4444-AD18-FDA4DCDDF73B}" type="slidenum">
+              <a:rPr lang="en-US" smtClean="0"/>
+              <a:t>5</a:t>
+            </a:fld>
+            <a:endParaRPr lang="en-US" dirty="0"/>
+          </a:p>
+        </p:txBody>
+      </p:sp>
     </p:spTree>
     <p:extLst>
       <p:ext uri="{BB962C8B-B14F-4D97-AF65-F5344CB8AC3E}">
@@ -5875,8 +7676,8 @@
         </p:blipFill>
         <p:spPr>
           <a:xfrm>
-            <a:off x="571515" y="956873"/>
-            <a:ext cx="3726858" cy="2811960"/>
+            <a:off x="45423" y="917392"/>
+            <a:ext cx="4661054" cy="3516822"/>
           </a:xfrm>
           <a:prstGeom prst="rect">
             <a:avLst/>
@@ -5899,8 +7700,8 @@
         </p:blipFill>
         <p:spPr>
           <a:xfrm>
-            <a:off x="4855102" y="1145883"/>
-            <a:ext cx="4636076" cy="2433940"/>
+            <a:off x="6193970" y="162698"/>
+            <a:ext cx="5881119" cy="3087588"/>
           </a:xfrm>
           <a:prstGeom prst="rect">
             <a:avLst/>
@@ -5909,21 +7710,21 @@
       </p:pic>
       <p:grpSp>
         <p:nvGrpSpPr>
-          <p:cNvPr id="11" name="Group 10"/>
+          <p:cNvPr id="12" name="Group 11"/>
           <p:cNvGrpSpPr/>
           <p:nvPr/>
         </p:nvGrpSpPr>
         <p:grpSpPr>
           <a:xfrm>
-            <a:off x="2919349" y="4559203"/>
-            <a:ext cx="3871507" cy="2191596"/>
-            <a:chOff x="155368" y="4561810"/>
-            <a:chExt cx="3871507" cy="2191596"/>
+            <a:off x="3432131" y="3881136"/>
+            <a:ext cx="8558609" cy="2939286"/>
+            <a:chOff x="3206663" y="3918714"/>
+            <a:chExt cx="8558609" cy="2939286"/>
           </a:xfrm>
         </p:grpSpPr>
         <p:pic>
           <p:nvPicPr>
-            <p:cNvPr id="6" name="Picture 5"/>
+            <p:cNvPr id="8" name="Picture 7"/>
             <p:cNvPicPr>
               <a:picLocks noChangeAspect="1"/>
             </p:cNvPicPr>
@@ -5937,63 +7738,101 @@
           </p:blipFill>
           <p:spPr>
             <a:xfrm>
-              <a:off x="155368" y="4561810"/>
-              <a:ext cx="3871507" cy="2188989"/>
+              <a:off x="6000972" y="3993391"/>
+              <a:ext cx="5764300" cy="2861113"/>
             </a:xfrm>
             <a:prstGeom prst="rect">
               <a:avLst/>
             </a:prstGeom>
           </p:spPr>
         </p:pic>
-        <p:pic>
-          <p:nvPicPr>
-            <p:cNvPr id="7" name="Picture 6"/>
-            <p:cNvPicPr>
-              <a:picLocks noChangeAspect="1"/>
-            </p:cNvPicPr>
+        <p:grpSp>
+          <p:nvGrpSpPr>
+            <p:cNvPr id="11" name="Group 10"/>
+            <p:cNvGrpSpPr/>
             <p:nvPr/>
-          </p:nvPicPr>
-          <p:blipFill>
-            <a:blip r:embed="rId5"/>
-            <a:stretch>
-              <a:fillRect/>
-            </a:stretch>
-          </p:blipFill>
-          <p:spPr>
+          </p:nvGrpSpPr>
+          <p:grpSpPr>
             <a:xfrm>
-              <a:off x="2369142" y="5171952"/>
-              <a:ext cx="1392367" cy="1581454"/>
+              <a:off x="3206663" y="3918714"/>
+              <a:ext cx="5883822" cy="2939286"/>
+              <a:chOff x="155368" y="4561810"/>
+              <a:chExt cx="4290996" cy="2191596"/>
             </a:xfrm>
-            <a:prstGeom prst="rect">
-              <a:avLst/>
-            </a:prstGeom>
-          </p:spPr>
-        </p:pic>
+          </p:grpSpPr>
+          <p:pic>
+            <p:nvPicPr>
+              <p:cNvPr id="6" name="Picture 5"/>
+              <p:cNvPicPr>
+                <a:picLocks noChangeAspect="1"/>
+              </p:cNvPicPr>
+              <p:nvPr/>
+            </p:nvPicPr>
+            <p:blipFill>
+              <a:blip r:embed="rId5"/>
+              <a:stretch>
+                <a:fillRect/>
+              </a:stretch>
+            </p:blipFill>
+            <p:spPr>
+              <a:xfrm>
+                <a:off x="155368" y="4561810"/>
+                <a:ext cx="3871507" cy="2188989"/>
+              </a:xfrm>
+              <a:prstGeom prst="rect">
+                <a:avLst/>
+              </a:prstGeom>
+            </p:spPr>
+          </p:pic>
+          <p:pic>
+            <p:nvPicPr>
+              <p:cNvPr id="7" name="Picture 6"/>
+              <p:cNvPicPr>
+                <a:picLocks noChangeAspect="1"/>
+              </p:cNvPicPr>
+              <p:nvPr/>
+            </p:nvPicPr>
+            <p:blipFill>
+              <a:blip r:embed="rId6"/>
+              <a:stretch>
+                <a:fillRect/>
+              </a:stretch>
+            </p:blipFill>
+            <p:spPr>
+              <a:xfrm>
+                <a:off x="3053997" y="5171952"/>
+                <a:ext cx="1392367" cy="1581454"/>
+              </a:xfrm>
+              <a:prstGeom prst="rect">
+                <a:avLst/>
+              </a:prstGeom>
+            </p:spPr>
+          </p:pic>
+        </p:grpSp>
       </p:grpSp>
-      <p:pic>
-        <p:nvPicPr>
-          <p:cNvPr id="8" name="Picture 7"/>
-          <p:cNvPicPr>
-            <a:picLocks noChangeAspect="1"/>
-          </p:cNvPicPr>
-          <p:nvPr/>
-        </p:nvPicPr>
-        <p:blipFill>
-          <a:blip r:embed="rId6"/>
-          <a:stretch>
-            <a:fillRect/>
-          </a:stretch>
-        </p:blipFill>
-        <p:spPr>
-          <a:xfrm>
-            <a:off x="7310361" y="4677979"/>
-            <a:ext cx="4176122" cy="2072820"/>
-          </a:xfrm>
-          <a:prstGeom prst="rect">
-            <a:avLst/>
-          </a:prstGeom>
-        </p:spPr>
-      </p:pic>
+      <p:sp>
+        <p:nvSpPr>
+          <p:cNvPr id="13" name="Slide Number Placeholder 12"/>
+          <p:cNvSpPr>
+            <a:spLocks noGrp="1"/>
+          </p:cNvSpPr>
+          <p:nvPr>
+            <p:ph type="sldNum" sz="quarter" idx="12"/>
+          </p:nvPr>
+        </p:nvSpPr>
+        <p:spPr/>
+        <p:txBody>
+          <a:bodyPr/>
+          <a:lstStyle/>
+          <a:p>
+            <a:fld id="{656EEF9C-D8EE-4444-AD18-FDA4DCDDF73B}" type="slidenum">
+              <a:rPr lang="en-US" smtClean="0"/>
+              <a:t>6</a:t>
+            </a:fld>
+            <a:endParaRPr lang="en-US"/>
+          </a:p>
+        </p:txBody>
+      </p:sp>
     </p:spTree>
     <p:extLst>
       <p:ext uri="{BB962C8B-B14F-4D97-AF65-F5344CB8AC3E}">
@@ -6101,8 +7940,8 @@
         </p:nvSpPr>
         <p:spPr>
           <a:xfrm>
-            <a:off x="6172200" y="1025526"/>
-            <a:ext cx="5559136" cy="4351338"/>
+            <a:off x="6598226" y="1025526"/>
+            <a:ext cx="5133109" cy="4351338"/>
           </a:xfrm>
         </p:spPr>
         <p:txBody>
@@ -6111,7 +7950,7 @@
           <a:p>
             <a:r>
               <a:rPr lang="en-US" dirty="0">
-                <a:hlinkClick r:id="rId2"/>
+                <a:hlinkClick r:id="rId3"/>
               </a:rPr>
               <a:t>Blockchain.info</a:t>
             </a:r>
@@ -6122,30 +7961,6 @@
       <p:pic>
         <p:nvPicPr>
           <p:cNvPr id="4" name="Picture 3"/>
-          <p:cNvPicPr>
-            <a:picLocks noChangeAspect="1"/>
-          </p:cNvPicPr>
-          <p:nvPr/>
-        </p:nvPicPr>
-        <p:blipFill>
-          <a:blip r:embed="rId3"/>
-          <a:stretch>
-            <a:fillRect/>
-          </a:stretch>
-        </p:blipFill>
-        <p:spPr>
-          <a:xfrm>
-            <a:off x="79113" y="2486459"/>
-            <a:ext cx="6519114" cy="4278503"/>
-          </a:xfrm>
-          <a:prstGeom prst="rect">
-            <a:avLst/>
-          </a:prstGeom>
-        </p:spPr>
-      </p:pic>
-      <p:pic>
-        <p:nvPicPr>
-          <p:cNvPr id="6" name="Picture 5"/>
           <p:cNvPicPr>
             <a:picLocks noChangeAspect="1"/>
           </p:cNvPicPr>
@@ -6159,14 +7974,61 @@
         </p:blipFill>
         <p:spPr>
           <a:xfrm>
-            <a:off x="6909955" y="2439101"/>
-            <a:ext cx="5219699" cy="4187668"/>
+            <a:off x="79113" y="2486459"/>
+            <a:ext cx="6519114" cy="4278503"/>
           </a:xfrm>
           <a:prstGeom prst="rect">
             <a:avLst/>
           </a:prstGeom>
         </p:spPr>
       </p:pic>
+      <p:pic>
+        <p:nvPicPr>
+          <p:cNvPr id="6" name="Picture 5"/>
+          <p:cNvPicPr>
+            <a:picLocks noChangeAspect="1"/>
+          </p:cNvPicPr>
+          <p:nvPr/>
+        </p:nvPicPr>
+        <p:blipFill>
+          <a:blip r:embed="rId5"/>
+          <a:stretch>
+            <a:fillRect/>
+          </a:stretch>
+        </p:blipFill>
+        <p:spPr>
+          <a:xfrm>
+            <a:off x="6909955" y="2439101"/>
+            <a:ext cx="5219699" cy="4187668"/>
+          </a:xfrm>
+          <a:prstGeom prst="rect">
+            <a:avLst/>
+          </a:prstGeom>
+        </p:spPr>
+      </p:pic>
+      <p:sp>
+        <p:nvSpPr>
+          <p:cNvPr id="7" name="Slide Number Placeholder 6"/>
+          <p:cNvSpPr>
+            <a:spLocks noGrp="1"/>
+          </p:cNvSpPr>
+          <p:nvPr>
+            <p:ph type="sldNum" sz="quarter" idx="12"/>
+          </p:nvPr>
+        </p:nvSpPr>
+        <p:spPr/>
+        <p:txBody>
+          <a:bodyPr/>
+          <a:lstStyle/>
+          <a:p>
+            <a:fld id="{656EEF9C-D8EE-4444-AD18-FDA4DCDDF73B}" type="slidenum">
+              <a:rPr lang="en-US" smtClean="0"/>
+              <a:t>7</a:t>
+            </a:fld>
+            <a:endParaRPr lang="en-US"/>
+          </a:p>
+        </p:txBody>
+      </p:sp>
     </p:spTree>
     <p:extLst>
       <p:ext uri="{BB962C8B-B14F-4D97-AF65-F5344CB8AC3E}">
@@ -6248,6 +8110,29 @@
           </a:prstGeom>
         </p:spPr>
       </p:pic>
+      <p:sp>
+        <p:nvSpPr>
+          <p:cNvPr id="5" name="Slide Number Placeholder 4"/>
+          <p:cNvSpPr>
+            <a:spLocks noGrp="1"/>
+          </p:cNvSpPr>
+          <p:nvPr>
+            <p:ph type="sldNum" sz="quarter" idx="12"/>
+          </p:nvPr>
+        </p:nvSpPr>
+        <p:spPr/>
+        <p:txBody>
+          <a:bodyPr/>
+          <a:lstStyle/>
+          <a:p>
+            <a:fld id="{656EEF9C-D8EE-4444-AD18-FDA4DCDDF73B}" type="slidenum">
+              <a:rPr lang="en-US" smtClean="0"/>
+              <a:t>8</a:t>
+            </a:fld>
+            <a:endParaRPr lang="en-US"/>
+          </a:p>
+        </p:txBody>
+      </p:sp>
     </p:spTree>
     <p:extLst>
       <p:ext uri="{BB962C8B-B14F-4D97-AF65-F5344CB8AC3E}">
@@ -6377,6 +8262,29 @@
           </a:prstGeom>
         </p:spPr>
       </p:pic>
+      <p:sp>
+        <p:nvSpPr>
+          <p:cNvPr id="9" name="Slide Number Placeholder 8"/>
+          <p:cNvSpPr>
+            <a:spLocks noGrp="1"/>
+          </p:cNvSpPr>
+          <p:nvPr>
+            <p:ph type="sldNum" sz="quarter" idx="12"/>
+          </p:nvPr>
+        </p:nvSpPr>
+        <p:spPr/>
+        <p:txBody>
+          <a:bodyPr/>
+          <a:lstStyle/>
+          <a:p>
+            <a:fld id="{656EEF9C-D8EE-4444-AD18-FDA4DCDDF73B}" type="slidenum">
+              <a:rPr lang="en-US" smtClean="0"/>
+              <a:t>9</a:t>
+            </a:fld>
+            <a:endParaRPr lang="en-US"/>
+          </a:p>
+        </p:txBody>
+      </p:sp>
     </p:spTree>
     <p:extLst>
       <p:ext uri="{BB962C8B-B14F-4D97-AF65-F5344CB8AC3E}">
